--- a/sql_db介紹.pptx
+++ b/sql_db介紹.pptx
@@ -12,30 +12,32 @@
     <p:sldId id="259" r:id="rId6"/>
     <p:sldId id="262" r:id="rId7"/>
     <p:sldId id="263" r:id="rId8"/>
-    <p:sldId id="279" r:id="rId9"/>
-    <p:sldId id="280" r:id="rId10"/>
-    <p:sldId id="281" r:id="rId11"/>
-    <p:sldId id="264" r:id="rId12"/>
-    <p:sldId id="266" r:id="rId13"/>
-    <p:sldId id="267" r:id="rId14"/>
-    <p:sldId id="268" r:id="rId15"/>
-    <p:sldId id="260" r:id="rId16"/>
-    <p:sldId id="269" r:id="rId17"/>
-    <p:sldId id="270" r:id="rId18"/>
-    <p:sldId id="271" r:id="rId19"/>
-    <p:sldId id="272" r:id="rId20"/>
-    <p:sldId id="273" r:id="rId21"/>
-    <p:sldId id="261" r:id="rId22"/>
-    <p:sldId id="274" r:id="rId23"/>
-    <p:sldId id="275" r:id="rId24"/>
-    <p:sldId id="277" r:id="rId25"/>
-    <p:sldId id="276" r:id="rId26"/>
-    <p:sldId id="283" r:id="rId27"/>
-    <p:sldId id="284" r:id="rId28"/>
-    <p:sldId id="286" r:id="rId29"/>
-    <p:sldId id="282" r:id="rId30"/>
-    <p:sldId id="287" r:id="rId31"/>
-    <p:sldId id="278" r:id="rId32"/>
+    <p:sldId id="288" r:id="rId9"/>
+    <p:sldId id="279" r:id="rId10"/>
+    <p:sldId id="280" r:id="rId11"/>
+    <p:sldId id="281" r:id="rId12"/>
+    <p:sldId id="264" r:id="rId13"/>
+    <p:sldId id="266" r:id="rId14"/>
+    <p:sldId id="267" r:id="rId15"/>
+    <p:sldId id="268" r:id="rId16"/>
+    <p:sldId id="260" r:id="rId17"/>
+    <p:sldId id="269" r:id="rId18"/>
+    <p:sldId id="270" r:id="rId19"/>
+    <p:sldId id="271" r:id="rId20"/>
+    <p:sldId id="272" r:id="rId21"/>
+    <p:sldId id="273" r:id="rId22"/>
+    <p:sldId id="261" r:id="rId23"/>
+    <p:sldId id="274" r:id="rId24"/>
+    <p:sldId id="275" r:id="rId25"/>
+    <p:sldId id="277" r:id="rId26"/>
+    <p:sldId id="276" r:id="rId27"/>
+    <p:sldId id="289" r:id="rId28"/>
+    <p:sldId id="283" r:id="rId29"/>
+    <p:sldId id="284" r:id="rId30"/>
+    <p:sldId id="286" r:id="rId31"/>
+    <p:sldId id="282" r:id="rId32"/>
+    <p:sldId id="287" r:id="rId33"/>
+    <p:sldId id="278" r:id="rId34"/>
   </p:sldIdLst>
   <p:sldSz cx="12192000" cy="6858000"/>
   <p:notesSz cx="6858000" cy="9144000"/>
@@ -273,7 +275,7 @@
           <a:p>
             <a:fld id="{543F2E7A-B287-4F06-AC0A-32BFD40106A7}" type="datetimeFigureOut">
               <a:rPr lang="zh-TW" altLang="en-US" smtClean="0"/>
-              <a:t>2020/3/19</a:t>
+              <a:t>2020/3/21</a:t>
             </a:fld>
             <a:endParaRPr lang="zh-TW" altLang="en-US"/>
           </a:p>
@@ -443,7 +445,7 @@
           <a:p>
             <a:fld id="{543F2E7A-B287-4F06-AC0A-32BFD40106A7}" type="datetimeFigureOut">
               <a:rPr lang="zh-TW" altLang="en-US" smtClean="0"/>
-              <a:t>2020/3/19</a:t>
+              <a:t>2020/3/21</a:t>
             </a:fld>
             <a:endParaRPr lang="zh-TW" altLang="en-US"/>
           </a:p>
@@ -623,7 +625,7 @@
           <a:p>
             <a:fld id="{543F2E7A-B287-4F06-AC0A-32BFD40106A7}" type="datetimeFigureOut">
               <a:rPr lang="zh-TW" altLang="en-US" smtClean="0"/>
-              <a:t>2020/3/19</a:t>
+              <a:t>2020/3/21</a:t>
             </a:fld>
             <a:endParaRPr lang="zh-TW" altLang="en-US"/>
           </a:p>
@@ -793,7 +795,7 @@
           <a:p>
             <a:fld id="{543F2E7A-B287-4F06-AC0A-32BFD40106A7}" type="datetimeFigureOut">
               <a:rPr lang="zh-TW" altLang="en-US" smtClean="0"/>
-              <a:t>2020/3/19</a:t>
+              <a:t>2020/3/21</a:t>
             </a:fld>
             <a:endParaRPr lang="zh-TW" altLang="en-US"/>
           </a:p>
@@ -1039,7 +1041,7 @@
           <a:p>
             <a:fld id="{543F2E7A-B287-4F06-AC0A-32BFD40106A7}" type="datetimeFigureOut">
               <a:rPr lang="zh-TW" altLang="en-US" smtClean="0"/>
-              <a:t>2020/3/19</a:t>
+              <a:t>2020/3/21</a:t>
             </a:fld>
             <a:endParaRPr lang="zh-TW" altLang="en-US"/>
           </a:p>
@@ -1271,7 +1273,7 @@
           <a:p>
             <a:fld id="{543F2E7A-B287-4F06-AC0A-32BFD40106A7}" type="datetimeFigureOut">
               <a:rPr lang="zh-TW" altLang="en-US" smtClean="0"/>
-              <a:t>2020/3/19</a:t>
+              <a:t>2020/3/21</a:t>
             </a:fld>
             <a:endParaRPr lang="zh-TW" altLang="en-US"/>
           </a:p>
@@ -1638,7 +1640,7 @@
           <a:p>
             <a:fld id="{543F2E7A-B287-4F06-AC0A-32BFD40106A7}" type="datetimeFigureOut">
               <a:rPr lang="zh-TW" altLang="en-US" smtClean="0"/>
-              <a:t>2020/3/19</a:t>
+              <a:t>2020/3/21</a:t>
             </a:fld>
             <a:endParaRPr lang="zh-TW" altLang="en-US"/>
           </a:p>
@@ -1756,7 +1758,7 @@
           <a:p>
             <a:fld id="{543F2E7A-B287-4F06-AC0A-32BFD40106A7}" type="datetimeFigureOut">
               <a:rPr lang="zh-TW" altLang="en-US" smtClean="0"/>
-              <a:t>2020/3/19</a:t>
+              <a:t>2020/3/21</a:t>
             </a:fld>
             <a:endParaRPr lang="zh-TW" altLang="en-US"/>
           </a:p>
@@ -1851,7 +1853,7 @@
           <a:p>
             <a:fld id="{543F2E7A-B287-4F06-AC0A-32BFD40106A7}" type="datetimeFigureOut">
               <a:rPr lang="zh-TW" altLang="en-US" smtClean="0"/>
-              <a:t>2020/3/19</a:t>
+              <a:t>2020/3/21</a:t>
             </a:fld>
             <a:endParaRPr lang="zh-TW" altLang="en-US"/>
           </a:p>
@@ -2128,7 +2130,7 @@
           <a:p>
             <a:fld id="{543F2E7A-B287-4F06-AC0A-32BFD40106A7}" type="datetimeFigureOut">
               <a:rPr lang="zh-TW" altLang="en-US" smtClean="0"/>
-              <a:t>2020/3/19</a:t>
+              <a:t>2020/3/21</a:t>
             </a:fld>
             <a:endParaRPr lang="zh-TW" altLang="en-US"/>
           </a:p>
@@ -2381,7 +2383,7 @@
           <a:p>
             <a:fld id="{543F2E7A-B287-4F06-AC0A-32BFD40106A7}" type="datetimeFigureOut">
               <a:rPr lang="zh-TW" altLang="en-US" smtClean="0"/>
-              <a:t>2020/3/19</a:t>
+              <a:t>2020/3/21</a:t>
             </a:fld>
             <a:endParaRPr lang="zh-TW" altLang="en-US"/>
           </a:p>
@@ -2594,7 +2596,7 @@
           <a:p>
             <a:fld id="{543F2E7A-B287-4F06-AC0A-32BFD40106A7}" type="datetimeFigureOut">
               <a:rPr lang="zh-TW" altLang="en-US" smtClean="0"/>
-              <a:t>2020/3/19</a:t>
+              <a:t>2020/3/21</a:t>
             </a:fld>
             <a:endParaRPr lang="zh-TW" altLang="en-US"/>
           </a:p>
@@ -3066,6 +3068,13 @@
   <p:clrMapOvr>
     <a:masterClrMapping/>
   </p:clrMapOvr>
+  <p:timing>
+    <p:tnLst>
+      <p:par>
+        <p:cTn id="1" dur="indefinite" restart="never" nodeType="tmRoot"/>
+      </p:par>
+    </p:tnLst>
+  </p:timing>
 </p:sld>
 </file>
 
@@ -3102,6 +3111,133 @@
           <a:lstStyle/>
           <a:p>
             <a:r>
+              <a:rPr lang="zh-TW" altLang="en-US" dirty="0" smtClean="0"/>
+              <a:t>大型資料型別</a:t>
+            </a:r>
+            <a:endParaRPr lang="zh-TW" altLang="en-US" dirty="0"/>
+          </a:p>
+        </p:txBody>
+      </p:sp>
+      <p:sp>
+        <p:nvSpPr>
+          <p:cNvPr id="3" name="內容版面配置區 2"/>
+          <p:cNvSpPr>
+            <a:spLocks noGrp="1"/>
+          </p:cNvSpPr>
+          <p:nvPr>
+            <p:ph idx="1"/>
+          </p:nvPr>
+        </p:nvSpPr>
+        <p:spPr/>
+        <p:txBody>
+          <a:bodyPr/>
+          <a:lstStyle/>
+          <a:p>
+            <a:endParaRPr lang="zh-TW" altLang="en-US"/>
+          </a:p>
+        </p:txBody>
+      </p:sp>
+      <p:pic>
+        <p:nvPicPr>
+          <p:cNvPr id="4" name="圖片 3"/>
+          <p:cNvPicPr>
+            <a:picLocks noChangeAspect="1"/>
+          </p:cNvPicPr>
+          <p:nvPr/>
+        </p:nvPicPr>
+        <p:blipFill>
+          <a:blip r:embed="rId2"/>
+          <a:stretch>
+            <a:fillRect/>
+          </a:stretch>
+        </p:blipFill>
+        <p:spPr>
+          <a:xfrm>
+            <a:off x="672193" y="1825625"/>
+            <a:ext cx="10509732" cy="2509611"/>
+          </a:xfrm>
+          <a:prstGeom prst="rect">
+            <a:avLst/>
+          </a:prstGeom>
+        </p:spPr>
+      </p:pic>
+      <p:sp>
+        <p:nvSpPr>
+          <p:cNvPr id="6" name="矩形 5"/>
+          <p:cNvSpPr/>
+          <p:nvPr/>
+        </p:nvSpPr>
+        <p:spPr>
+          <a:xfrm>
+            <a:off x="1570263" y="6311900"/>
+            <a:ext cx="8757557" cy="276999"/>
+          </a:xfrm>
+          <a:prstGeom prst="rect">
+            <a:avLst/>
+          </a:prstGeom>
+        </p:spPr>
+        <p:txBody>
+          <a:bodyPr wrap="square">
+            <a:spAutoFit/>
+          </a:bodyPr>
+          <a:lstStyle/>
+          <a:p>
+            <a:r>
+              <a:rPr lang="en-US" altLang="zh-TW" sz="1200" dirty="0">
+                <a:hlinkClick r:id="rId3"/>
+              </a:rPr>
+              <a:t>https://docs.microsoft.com/zh-tw/sql/t-sql/data-types/data-types-transact-sql?view=sql-server-ver15</a:t>
+            </a:r>
+            <a:endParaRPr lang="zh-TW" altLang="en-US" sz="1200" dirty="0"/>
+          </a:p>
+        </p:txBody>
+      </p:sp>
+    </p:spTree>
+    <p:extLst>
+      <p:ext uri="{BB962C8B-B14F-4D97-AF65-F5344CB8AC3E}">
+        <p14:creationId xmlns:p14="http://schemas.microsoft.com/office/powerpoint/2010/main" val="2447837369"/>
+      </p:ext>
+    </p:extLst>
+  </p:cSld>
+  <p:clrMapOvr>
+    <a:masterClrMapping/>
+  </p:clrMapOvr>
+</p:sld>
+</file>
+
+<file path=ppt/slides/slide11.xml><?xml version="1.0" encoding="utf-8"?>
+<p:sld xmlns:a="http://schemas.openxmlformats.org/drawingml/2006/main" xmlns:r="http://schemas.openxmlformats.org/officeDocument/2006/relationships" xmlns:p="http://schemas.openxmlformats.org/presentationml/2006/main">
+  <p:cSld>
+    <p:spTree>
+      <p:nvGrpSpPr>
+        <p:cNvPr id="1" name=""/>
+        <p:cNvGrpSpPr/>
+        <p:nvPr/>
+      </p:nvGrpSpPr>
+      <p:grpSpPr>
+        <a:xfrm>
+          <a:off x="0" y="0"/>
+          <a:ext cx="0" cy="0"/>
+          <a:chOff x="0" y="0"/>
+          <a:chExt cx="0" cy="0"/>
+        </a:xfrm>
+      </p:grpSpPr>
+      <p:sp>
+        <p:nvSpPr>
+          <p:cNvPr id="2" name="標題 1"/>
+          <p:cNvSpPr>
+            <a:spLocks noGrp="1"/>
+          </p:cNvSpPr>
+          <p:nvPr>
+            <p:ph type="title"/>
+          </p:nvPr>
+        </p:nvSpPr>
+        <p:spPr/>
+        <p:txBody>
+          <a:bodyPr/>
+          <a:lstStyle/>
+          <a:p>
+            <a:r>
               <a:rPr lang="en-US" altLang="zh-TW" dirty="0" smtClean="0"/>
               <a:t>EX:</a:t>
             </a:r>
@@ -3212,7 +3348,7 @@
 </p:sld>
 </file>
 
-<file path=ppt/slides/slide11.xml><?xml version="1.0" encoding="utf-8"?>
+<file path=ppt/slides/slide12.xml><?xml version="1.0" encoding="utf-8"?>
 <p:sld xmlns:a="http://schemas.openxmlformats.org/drawingml/2006/main" xmlns:r="http://schemas.openxmlformats.org/officeDocument/2006/relationships" xmlns:p="http://schemas.openxmlformats.org/presentationml/2006/main">
   <p:cSld>
     <p:spTree>
@@ -3324,7 +3460,7 @@
 </p:sld>
 </file>
 
-<file path=ppt/slides/slide12.xml><?xml version="1.0" encoding="utf-8"?>
+<file path=ppt/slides/slide13.xml><?xml version="1.0" encoding="utf-8"?>
 <p:sld xmlns:a="http://schemas.openxmlformats.org/drawingml/2006/main" xmlns:r="http://schemas.openxmlformats.org/officeDocument/2006/relationships" xmlns:p="http://schemas.openxmlformats.org/presentationml/2006/main">
   <p:cSld>
     <p:spTree>
@@ -3436,7 +3572,7 @@
 </p:sld>
 </file>
 
-<file path=ppt/slides/slide13.xml><?xml version="1.0" encoding="utf-8"?>
+<file path=ppt/slides/slide14.xml><?xml version="1.0" encoding="utf-8"?>
 <p:sld xmlns:a="http://schemas.openxmlformats.org/drawingml/2006/main" xmlns:r="http://schemas.openxmlformats.org/officeDocument/2006/relationships" xmlns:p="http://schemas.openxmlformats.org/presentationml/2006/main">
   <p:cSld>
     <p:spTree>
@@ -3540,7 +3676,7 @@
 </p:sld>
 </file>
 
-<file path=ppt/slides/slide14.xml><?xml version="1.0" encoding="utf-8"?>
+<file path=ppt/slides/slide15.xml><?xml version="1.0" encoding="utf-8"?>
 <p:sld xmlns:a="http://schemas.openxmlformats.org/drawingml/2006/main" xmlns:r="http://schemas.openxmlformats.org/officeDocument/2006/relationships" xmlns:p="http://schemas.openxmlformats.org/presentationml/2006/main">
   <p:cSld>
     <p:spTree>
@@ -3668,7 +3804,7 @@
 </p:sld>
 </file>
 
-<file path=ppt/slides/slide15.xml><?xml version="1.0" encoding="utf-8"?>
+<file path=ppt/slides/slide16.xml><?xml version="1.0" encoding="utf-8"?>
 <p:sld xmlns:a="http://schemas.openxmlformats.org/drawingml/2006/main" xmlns:r="http://schemas.openxmlformats.org/officeDocument/2006/relationships" xmlns:p="http://schemas.openxmlformats.org/presentationml/2006/main">
   <p:cSld>
     <p:spTree>
@@ -3825,7 +3961,7 @@
 </p:sld>
 </file>
 
-<file path=ppt/slides/slide16.xml><?xml version="1.0" encoding="utf-8"?>
+<file path=ppt/slides/slide17.xml><?xml version="1.0" encoding="utf-8"?>
 <p:sld xmlns:a="http://schemas.openxmlformats.org/drawingml/2006/main" xmlns:r="http://schemas.openxmlformats.org/officeDocument/2006/relationships" xmlns:p="http://schemas.openxmlformats.org/presentationml/2006/main">
   <p:cSld>
     <p:spTree>
@@ -3969,7 +4105,7 @@
 </p:sld>
 </file>
 
-<file path=ppt/slides/slide17.xml><?xml version="1.0" encoding="utf-8"?>
+<file path=ppt/slides/slide18.xml><?xml version="1.0" encoding="utf-8"?>
 <p:sld xmlns:a="http://schemas.openxmlformats.org/drawingml/2006/main" xmlns:r="http://schemas.openxmlformats.org/officeDocument/2006/relationships" xmlns:p="http://schemas.openxmlformats.org/presentationml/2006/main">
   <p:cSld>
     <p:spTree>
@@ -4097,7 +4233,7 @@
 </p:sld>
 </file>
 
-<file path=ppt/slides/slide18.xml><?xml version="1.0" encoding="utf-8"?>
+<file path=ppt/slides/slide19.xml><?xml version="1.0" encoding="utf-8"?>
 <p:sld xmlns:a="http://schemas.openxmlformats.org/drawingml/2006/main" xmlns:r="http://schemas.openxmlformats.org/officeDocument/2006/relationships" xmlns:p="http://schemas.openxmlformats.org/presentationml/2006/main">
   <p:cSld>
     <p:spTree>
@@ -4225,7 +4361,125 @@
 </p:sld>
 </file>
 
-<file path=ppt/slides/slide19.xml><?xml version="1.0" encoding="utf-8"?>
+<file path=ppt/slides/slide2.xml><?xml version="1.0" encoding="utf-8"?>
+<p:sld xmlns:a="http://schemas.openxmlformats.org/drawingml/2006/main" xmlns:r="http://schemas.openxmlformats.org/officeDocument/2006/relationships" xmlns:p="http://schemas.openxmlformats.org/presentationml/2006/main">
+  <p:cSld>
+    <p:spTree>
+      <p:nvGrpSpPr>
+        <p:cNvPr id="1" name=""/>
+        <p:cNvGrpSpPr/>
+        <p:nvPr/>
+      </p:nvGrpSpPr>
+      <p:grpSpPr>
+        <a:xfrm>
+          <a:off x="0" y="0"/>
+          <a:ext cx="0" cy="0"/>
+          <a:chOff x="0" y="0"/>
+          <a:chExt cx="0" cy="0"/>
+        </a:xfrm>
+      </p:grpSpPr>
+      <p:sp>
+        <p:nvSpPr>
+          <p:cNvPr id="2" name="標題 1"/>
+          <p:cNvSpPr>
+            <a:spLocks noGrp="1"/>
+          </p:cNvSpPr>
+          <p:nvPr>
+            <p:ph type="title"/>
+          </p:nvPr>
+        </p:nvSpPr>
+        <p:spPr/>
+        <p:txBody>
+          <a:bodyPr/>
+          <a:lstStyle/>
+          <a:p>
+            <a:r>
+              <a:rPr lang="zh-TW" altLang="en-US" dirty="0" smtClean="0"/>
+              <a:t>參考</a:t>
+            </a:r>
+            <a:endParaRPr lang="zh-TW" altLang="en-US" dirty="0"/>
+          </a:p>
+        </p:txBody>
+      </p:sp>
+      <p:sp>
+        <p:nvSpPr>
+          <p:cNvPr id="3" name="內容版面配置區 2"/>
+          <p:cNvSpPr>
+            <a:spLocks noGrp="1"/>
+          </p:cNvSpPr>
+          <p:nvPr>
+            <p:ph idx="1"/>
+          </p:nvPr>
+        </p:nvSpPr>
+        <p:spPr/>
+        <p:txBody>
+          <a:bodyPr/>
+          <a:lstStyle/>
+          <a:p>
+            <a:r>
+              <a:rPr lang="en-US" altLang="zh-TW" dirty="0">
+                <a:hlinkClick r:id="rId2"/>
+              </a:rPr>
+              <a:t>https://blog.techbridge.cc/2020/02/09/sql-basic-tutorial</a:t>
+            </a:r>
+            <a:r>
+              <a:rPr lang="en-US" altLang="zh-TW" dirty="0" smtClean="0">
+                <a:hlinkClick r:id="rId2"/>
+              </a:rPr>
+              <a:t>/</a:t>
+            </a:r>
+            <a:endParaRPr lang="en-US" altLang="zh-TW" dirty="0" smtClean="0"/>
+          </a:p>
+          <a:p>
+            <a:r>
+              <a:rPr lang="en-US" altLang="zh-TW" dirty="0">
+                <a:hlinkClick r:id="rId3"/>
+              </a:rPr>
+              <a:t>https://www.1keydata.com/tw/sql/sql.html</a:t>
+            </a:r>
+            <a:endParaRPr lang="en-US" altLang="zh-TW" dirty="0" smtClean="0"/>
+          </a:p>
+          <a:p>
+            <a:r>
+              <a:rPr lang="zh-TW" altLang="en-US" dirty="0" smtClean="0"/>
+              <a:t>本講義以上網址內容</a:t>
+            </a:r>
+            <a:r>
+              <a:rPr lang="en-US" altLang="zh-TW" dirty="0" smtClean="0"/>
+              <a:t>, </a:t>
+            </a:r>
+            <a:r>
+              <a:rPr lang="zh-TW" altLang="en-US" dirty="0" smtClean="0"/>
+              <a:t>賅要講解</a:t>
+            </a:r>
+            <a:r>
+              <a:rPr lang="zh-TW" altLang="en-US" dirty="0"/>
+              <a:t>。</a:t>
+            </a:r>
+          </a:p>
+        </p:txBody>
+      </p:sp>
+    </p:spTree>
+    <p:extLst>
+      <p:ext uri="{BB962C8B-B14F-4D97-AF65-F5344CB8AC3E}">
+        <p14:creationId xmlns:p14="http://schemas.microsoft.com/office/powerpoint/2010/main" val="3753394572"/>
+      </p:ext>
+    </p:extLst>
+  </p:cSld>
+  <p:clrMapOvr>
+    <a:masterClrMapping/>
+  </p:clrMapOvr>
+  <p:timing>
+    <p:tnLst>
+      <p:par>
+        <p:cTn id="1" dur="indefinite" restart="never" nodeType="tmRoot"/>
+      </p:par>
+    </p:tnLst>
+  </p:timing>
+</p:sld>
+</file>
+
+<file path=ppt/slides/slide20.xml><?xml version="1.0" encoding="utf-8"?>
 <p:sld xmlns:a="http://schemas.openxmlformats.org/drawingml/2006/main" xmlns:r="http://schemas.openxmlformats.org/officeDocument/2006/relationships" xmlns:p="http://schemas.openxmlformats.org/presentationml/2006/main">
   <p:cSld>
     <p:spTree>
@@ -4321,118 +4575,7 @@
 </p:sld>
 </file>
 
-<file path=ppt/slides/slide2.xml><?xml version="1.0" encoding="utf-8"?>
-<p:sld xmlns:a="http://schemas.openxmlformats.org/drawingml/2006/main" xmlns:r="http://schemas.openxmlformats.org/officeDocument/2006/relationships" xmlns:p="http://schemas.openxmlformats.org/presentationml/2006/main">
-  <p:cSld>
-    <p:spTree>
-      <p:nvGrpSpPr>
-        <p:cNvPr id="1" name=""/>
-        <p:cNvGrpSpPr/>
-        <p:nvPr/>
-      </p:nvGrpSpPr>
-      <p:grpSpPr>
-        <a:xfrm>
-          <a:off x="0" y="0"/>
-          <a:ext cx="0" cy="0"/>
-          <a:chOff x="0" y="0"/>
-          <a:chExt cx="0" cy="0"/>
-        </a:xfrm>
-      </p:grpSpPr>
-      <p:sp>
-        <p:nvSpPr>
-          <p:cNvPr id="2" name="標題 1"/>
-          <p:cNvSpPr>
-            <a:spLocks noGrp="1"/>
-          </p:cNvSpPr>
-          <p:nvPr>
-            <p:ph type="title"/>
-          </p:nvPr>
-        </p:nvSpPr>
-        <p:spPr/>
-        <p:txBody>
-          <a:bodyPr/>
-          <a:lstStyle/>
-          <a:p>
-            <a:r>
-              <a:rPr lang="zh-TW" altLang="en-US" dirty="0" smtClean="0"/>
-              <a:t>參考</a:t>
-            </a:r>
-            <a:endParaRPr lang="zh-TW" altLang="en-US" dirty="0"/>
-          </a:p>
-        </p:txBody>
-      </p:sp>
-      <p:sp>
-        <p:nvSpPr>
-          <p:cNvPr id="3" name="內容版面配置區 2"/>
-          <p:cNvSpPr>
-            <a:spLocks noGrp="1"/>
-          </p:cNvSpPr>
-          <p:nvPr>
-            <p:ph idx="1"/>
-          </p:nvPr>
-        </p:nvSpPr>
-        <p:spPr/>
-        <p:txBody>
-          <a:bodyPr/>
-          <a:lstStyle/>
-          <a:p>
-            <a:r>
-              <a:rPr lang="en-US" altLang="zh-TW" dirty="0">
-                <a:hlinkClick r:id="rId2"/>
-              </a:rPr>
-              <a:t>https://blog.techbridge.cc/2020/02/09/sql-basic-tutorial</a:t>
-            </a:r>
-            <a:r>
-              <a:rPr lang="en-US" altLang="zh-TW" dirty="0" smtClean="0">
-                <a:hlinkClick r:id="rId2"/>
-              </a:rPr>
-              <a:t>/</a:t>
-            </a:r>
-            <a:endParaRPr lang="en-US" altLang="zh-TW" dirty="0" smtClean="0"/>
-          </a:p>
-          <a:p>
-            <a:r>
-              <a:rPr lang="en-US" altLang="zh-TW" dirty="0">
-                <a:hlinkClick r:id="rId3"/>
-              </a:rPr>
-              <a:t>https://www.1keydata.com/tw/sql/sql.html</a:t>
-            </a:r>
-            <a:endParaRPr lang="en-US" altLang="zh-TW" dirty="0" smtClean="0"/>
-          </a:p>
-          <a:p>
-            <a:r>
-              <a:rPr lang="zh-TW" altLang="en-US" dirty="0" smtClean="0"/>
-              <a:t>本講義以上網址內容</a:t>
-            </a:r>
-            <a:r>
-              <a:rPr lang="en-US" altLang="zh-TW" dirty="0" smtClean="0"/>
-              <a:t>, </a:t>
-            </a:r>
-            <a:r>
-              <a:rPr lang="zh-TW" altLang="en-US" dirty="0" smtClean="0"/>
-              <a:t>賅要講解</a:t>
-            </a:r>
-            <a:r>
-              <a:rPr lang="zh-TW" altLang="en-US" dirty="0"/>
-              <a:t>。</a:t>
-            </a:r>
-          </a:p>
-        </p:txBody>
-      </p:sp>
-    </p:spTree>
-    <p:extLst>
-      <p:ext uri="{BB962C8B-B14F-4D97-AF65-F5344CB8AC3E}">
-        <p14:creationId xmlns:p14="http://schemas.microsoft.com/office/powerpoint/2010/main" val="3753394572"/>
-      </p:ext>
-    </p:extLst>
-  </p:cSld>
-  <p:clrMapOvr>
-    <a:masterClrMapping/>
-  </p:clrMapOvr>
-</p:sld>
-</file>
-
-<file path=ppt/slides/slide20.xml><?xml version="1.0" encoding="utf-8"?>
+<file path=ppt/slides/slide21.xml><?xml version="1.0" encoding="utf-8"?>
 <p:sld xmlns:a="http://schemas.openxmlformats.org/drawingml/2006/main" xmlns:r="http://schemas.openxmlformats.org/officeDocument/2006/relationships" xmlns:p="http://schemas.openxmlformats.org/presentationml/2006/main">
   <p:cSld>
     <p:spTree>
@@ -4528,7 +4671,7 @@
 </p:sld>
 </file>
 
-<file path=ppt/slides/slide21.xml><?xml version="1.0" encoding="utf-8"?>
+<file path=ppt/slides/slide22.xml><?xml version="1.0" encoding="utf-8"?>
 <p:sld xmlns:a="http://schemas.openxmlformats.org/drawingml/2006/main" xmlns:r="http://schemas.openxmlformats.org/officeDocument/2006/relationships" xmlns:p="http://schemas.openxmlformats.org/presentationml/2006/main">
   <p:cSld>
     <p:spTree>
@@ -4649,7 +4792,7 @@
 </p:sld>
 </file>
 
-<file path=ppt/slides/slide22.xml><?xml version="1.0" encoding="utf-8"?>
+<file path=ppt/slides/slide23.xml><?xml version="1.0" encoding="utf-8"?>
 <p:sld xmlns:a="http://schemas.openxmlformats.org/drawingml/2006/main" xmlns:r="http://schemas.openxmlformats.org/officeDocument/2006/relationships" xmlns:p="http://schemas.openxmlformats.org/presentationml/2006/main">
   <p:cSld>
     <p:spTree>
@@ -4752,7 +4895,7 @@
 </p:sld>
 </file>
 
-<file path=ppt/slides/slide23.xml><?xml version="1.0" encoding="utf-8"?>
+<file path=ppt/slides/slide24.xml><?xml version="1.0" encoding="utf-8"?>
 <p:sld xmlns:a="http://schemas.openxmlformats.org/drawingml/2006/main" xmlns:r="http://schemas.openxmlformats.org/officeDocument/2006/relationships" xmlns:p="http://schemas.openxmlformats.org/presentationml/2006/main">
   <p:cSld>
     <p:spTree>
@@ -4856,7 +4999,7 @@
 </p:sld>
 </file>
 
-<file path=ppt/slides/slide24.xml><?xml version="1.0" encoding="utf-8"?>
+<file path=ppt/slides/slide25.xml><?xml version="1.0" encoding="utf-8"?>
 <p:sld xmlns:a="http://schemas.openxmlformats.org/drawingml/2006/main" xmlns:r="http://schemas.openxmlformats.org/officeDocument/2006/relationships" xmlns:p="http://schemas.openxmlformats.org/presentationml/2006/main">
   <p:cSld>
     <p:spTree>
@@ -4974,18 +5117,38 @@
             </a:r>
             <a:r>
               <a:rPr lang="en-US" altLang="zh-TW" dirty="0"/>
-              <a:t>] -- </a:t>
-            </a:r>
-            <a:r>
-              <a:rPr lang="en-US" altLang="zh-TW" dirty="0" err="1"/>
+              <a:t>] </a:t>
+            </a:r>
+            <a:r>
+              <a:rPr lang="en-US" altLang="zh-TW" dirty="0">
+                <a:solidFill>
+                  <a:srgbClr val="92D050"/>
+                </a:solidFill>
+              </a:rPr>
+              <a:t>-- </a:t>
+            </a:r>
+            <a:r>
+              <a:rPr lang="en-US" altLang="zh-TW" dirty="0" err="1">
+                <a:solidFill>
+                  <a:srgbClr val="92D050"/>
+                </a:solidFill>
+              </a:rPr>
               <a:t>Trans_Name</a:t>
             </a:r>
             <a:r>
-              <a:rPr lang="en-US" altLang="zh-TW" dirty="0"/>
+              <a:rPr lang="en-US" altLang="zh-TW" dirty="0">
+                <a:solidFill>
+                  <a:srgbClr val="92D050"/>
+                </a:solidFill>
+              </a:rPr>
               <a:t> </a:t>
             </a:r>
             <a:r>
-              <a:rPr lang="zh-TW" altLang="en-US" dirty="0"/>
+              <a:rPr lang="zh-TW" altLang="en-US" dirty="0">
+                <a:solidFill>
+                  <a:srgbClr val="92D050"/>
+                </a:solidFill>
+              </a:rPr>
               <a:t>交易名稱可自訂或者是不寫</a:t>
             </a:r>
           </a:p>
@@ -5005,23 +5168,43 @@
               <a:buAutoNum type="arabicPeriod"/>
             </a:pPr>
             <a:r>
-              <a:rPr lang="zh-TW" altLang="en-US" dirty="0"/>
+              <a:rPr lang="zh-TW" altLang="en-US" dirty="0">
+                <a:solidFill>
+                  <a:srgbClr val="92D050"/>
+                </a:solidFill>
+              </a:rPr>
               <a:t>    </a:t>
             </a:r>
             <a:r>
-              <a:rPr lang="en-US" altLang="zh-TW" dirty="0"/>
+              <a:rPr lang="en-US" altLang="zh-TW" dirty="0">
+                <a:solidFill>
+                  <a:srgbClr val="92D050"/>
+                </a:solidFill>
+              </a:rPr>
               <a:t>-- </a:t>
             </a:r>
             <a:r>
-              <a:rPr lang="zh-TW" altLang="en-US" dirty="0"/>
+              <a:rPr lang="zh-TW" altLang="en-US" dirty="0">
+                <a:solidFill>
+                  <a:srgbClr val="92D050"/>
+                </a:solidFill>
+              </a:rPr>
               <a:t>可編寫多個 </a:t>
             </a:r>
             <a:r>
-              <a:rPr lang="en-US" altLang="zh-TW" dirty="0"/>
+              <a:rPr lang="en-US" altLang="zh-TW" dirty="0">
+                <a:solidFill>
+                  <a:srgbClr val="92D050"/>
+                </a:solidFill>
+              </a:rPr>
               <a:t>SQL </a:t>
             </a:r>
             <a:r>
-              <a:rPr lang="zh-TW" altLang="en-US" dirty="0"/>
+              <a:rPr lang="zh-TW" altLang="en-US" dirty="0">
+                <a:solidFill>
+                  <a:srgbClr val="92D050"/>
+                </a:solidFill>
+              </a:rPr>
               <a:t>指令</a:t>
             </a:r>
           </a:p>
@@ -5130,10 +5313,22 @@
             </a:r>
             <a:r>
               <a:rPr lang="en-US" altLang="zh-TW" dirty="0"/>
-              <a:t> &lt;&gt; 0 BEGIN -- </a:t>
-            </a:r>
-            <a:r>
-              <a:rPr lang="zh-TW" altLang="en-US" dirty="0"/>
+              <a:t> &lt;&gt; 0 BEGIN </a:t>
+            </a:r>
+            <a:r>
+              <a:rPr lang="en-US" altLang="zh-TW" dirty="0">
+                <a:solidFill>
+                  <a:srgbClr val="92D050"/>
+                </a:solidFill>
+              </a:rPr>
+              <a:t>-- </a:t>
+            </a:r>
+            <a:r>
+              <a:rPr lang="zh-TW" altLang="en-US" dirty="0">
+                <a:solidFill>
+                  <a:srgbClr val="92D050"/>
+                </a:solidFill>
+              </a:rPr>
               <a:t>若是新增資料發生錯誤</a:t>
             </a:r>
           </a:p>
@@ -5156,10 +5351,22 @@
             </a:r>
             <a:r>
               <a:rPr lang="en-US" altLang="zh-TW" dirty="0"/>
-              <a:t>] -- </a:t>
-            </a:r>
-            <a:r>
-              <a:rPr lang="zh-TW" altLang="en-US" dirty="0"/>
+              <a:t>]</a:t>
+            </a:r>
+            <a:r>
+              <a:rPr lang="en-US" altLang="zh-TW" dirty="0">
+                <a:solidFill>
+                  <a:srgbClr val="92D050"/>
+                </a:solidFill>
+              </a:rPr>
+              <a:t> -- </a:t>
+            </a:r>
+            <a:r>
+              <a:rPr lang="zh-TW" altLang="en-US" dirty="0">
+                <a:solidFill>
+                  <a:srgbClr val="92D050"/>
+                </a:solidFill>
+              </a:rPr>
               <a:t>復原所有操作所造成的變更</a:t>
             </a:r>
           </a:p>
@@ -5198,10 +5405,22 @@
             </a:r>
             <a:r>
               <a:rPr lang="en-US" altLang="zh-TW" dirty="0"/>
-              <a:t>] -- </a:t>
-            </a:r>
-            <a:r>
-              <a:rPr lang="zh-TW" altLang="en-US" dirty="0"/>
+              <a:t>] </a:t>
+            </a:r>
+            <a:r>
+              <a:rPr lang="en-US" altLang="zh-TW" dirty="0">
+                <a:solidFill>
+                  <a:srgbClr val="92D050"/>
+                </a:solidFill>
+              </a:rPr>
+              <a:t>-- </a:t>
+            </a:r>
+            <a:r>
+              <a:rPr lang="zh-TW" altLang="en-US" dirty="0">
+                <a:solidFill>
+                  <a:srgbClr val="92D050"/>
+                </a:solidFill>
+              </a:rPr>
               <a:t>提交所有操作所造成的變更</a:t>
             </a:r>
           </a:p>
@@ -5262,7 +5481,7 @@
 </p:sld>
 </file>
 
-<file path=ppt/slides/slide25.xml><?xml version="1.0" encoding="utf-8"?>
+<file path=ppt/slides/slide26.xml><?xml version="1.0" encoding="utf-8"?>
 <p:sld xmlns:a="http://schemas.openxmlformats.org/drawingml/2006/main" xmlns:r="http://schemas.openxmlformats.org/officeDocument/2006/relationships" xmlns:p="http://schemas.openxmlformats.org/presentationml/2006/main">
   <p:cSld>
     <p:spTree>
@@ -5358,7 +5577,103 @@
 </p:sld>
 </file>
 
-<file path=ppt/slides/slide26.xml><?xml version="1.0" encoding="utf-8"?>
+<file path=ppt/slides/slide27.xml><?xml version="1.0" encoding="utf-8"?>
+<p:sld xmlns:a="http://schemas.openxmlformats.org/drawingml/2006/main" xmlns:r="http://schemas.openxmlformats.org/officeDocument/2006/relationships" xmlns:p="http://schemas.openxmlformats.org/presentationml/2006/main">
+  <p:cSld>
+    <p:spTree>
+      <p:nvGrpSpPr>
+        <p:cNvPr id="1" name=""/>
+        <p:cNvGrpSpPr/>
+        <p:nvPr/>
+      </p:nvGrpSpPr>
+      <p:grpSpPr>
+        <a:xfrm>
+          <a:off x="0" y="0"/>
+          <a:ext cx="0" cy="0"/>
+          <a:chOff x="0" y="0"/>
+          <a:chExt cx="0" cy="0"/>
+        </a:xfrm>
+      </p:grpSpPr>
+      <p:sp>
+        <p:nvSpPr>
+          <p:cNvPr id="2" name="標題 1"/>
+          <p:cNvSpPr>
+            <a:spLocks noGrp="1"/>
+          </p:cNvSpPr>
+          <p:nvPr>
+            <p:ph type="title"/>
+          </p:nvPr>
+        </p:nvSpPr>
+        <p:spPr/>
+        <p:txBody>
+          <a:bodyPr/>
+          <a:lstStyle/>
+          <a:p>
+            <a:r>
+              <a:rPr lang="en-US" altLang="zh-TW" dirty="0" smtClean="0"/>
+              <a:t>Entity Relation Model</a:t>
+            </a:r>
+            <a:endParaRPr lang="zh-TW" altLang="en-US" dirty="0"/>
+          </a:p>
+        </p:txBody>
+      </p:sp>
+      <p:sp>
+        <p:nvSpPr>
+          <p:cNvPr id="3" name="內容版面配置區 2"/>
+          <p:cNvSpPr>
+            <a:spLocks noGrp="1"/>
+          </p:cNvSpPr>
+          <p:nvPr>
+            <p:ph idx="1"/>
+          </p:nvPr>
+        </p:nvSpPr>
+        <p:spPr/>
+        <p:txBody>
+          <a:bodyPr/>
+          <a:lstStyle/>
+          <a:p>
+            <a:r>
+              <a:rPr lang="en-US" altLang="zh-TW" dirty="0" smtClean="0"/>
+              <a:t>ER </a:t>
+            </a:r>
+            <a:r>
+              <a:rPr lang="zh-TW" altLang="en-US" dirty="0" smtClean="0"/>
+              <a:t>圖</a:t>
+            </a:r>
+            <a:endParaRPr lang="en-US" altLang="zh-TW" dirty="0" smtClean="0"/>
+          </a:p>
+          <a:p>
+            <a:r>
+              <a:rPr lang="zh-TW" altLang="en-US" dirty="0" smtClean="0"/>
+              <a:t>外部鍵值</a:t>
+            </a:r>
+            <a:endParaRPr lang="en-US" altLang="zh-TW" dirty="0" smtClean="0"/>
+          </a:p>
+          <a:p>
+            <a:r>
+              <a:rPr lang="en-US" altLang="zh-TW" dirty="0" smtClean="0"/>
+              <a:t>Join, left join</a:t>
+            </a:r>
+          </a:p>
+          <a:p>
+            <a:endParaRPr lang="zh-TW" altLang="en-US" dirty="0"/>
+          </a:p>
+        </p:txBody>
+      </p:sp>
+    </p:spTree>
+    <p:extLst>
+      <p:ext uri="{BB962C8B-B14F-4D97-AF65-F5344CB8AC3E}">
+        <p14:creationId xmlns:p14="http://schemas.microsoft.com/office/powerpoint/2010/main" val="1247824052"/>
+      </p:ext>
+    </p:extLst>
+  </p:cSld>
+  <p:clrMapOvr>
+    <a:masterClrMapping/>
+  </p:clrMapOvr>
+</p:sld>
+</file>
+
+<file path=ppt/slides/slide28.xml><?xml version="1.0" encoding="utf-8"?>
 <p:sld xmlns:a="http://schemas.openxmlformats.org/drawingml/2006/main" xmlns:r="http://schemas.openxmlformats.org/officeDocument/2006/relationships" xmlns:p="http://schemas.openxmlformats.org/presentationml/2006/main">
   <p:cSld>
     <p:spTree>
@@ -5480,10 +5795,17 @@
   <p:clrMapOvr>
     <a:masterClrMapping/>
   </p:clrMapOvr>
+  <p:timing>
+    <p:tnLst>
+      <p:par>
+        <p:cTn id="1" dur="indefinite" restart="never" nodeType="tmRoot"/>
+      </p:par>
+    </p:tnLst>
+  </p:timing>
 </p:sld>
 </file>
 
-<file path=ppt/slides/slide27.xml><?xml version="1.0" encoding="utf-8"?>
+<file path=ppt/slides/slide29.xml><?xml version="1.0" encoding="utf-8"?>
 <p:sld xmlns:a="http://schemas.openxmlformats.org/drawingml/2006/main" xmlns:r="http://schemas.openxmlformats.org/officeDocument/2006/relationships" xmlns:p="http://schemas.openxmlformats.org/presentationml/2006/main">
   <p:cSld>
     <p:spTree>
@@ -5773,10 +6095,17 @@
   <p:clrMapOvr>
     <a:masterClrMapping/>
   </p:clrMapOvr>
+  <p:timing>
+    <p:tnLst>
+      <p:par>
+        <p:cTn id="1" dur="indefinite" restart="never" nodeType="tmRoot"/>
+      </p:par>
+    </p:tnLst>
+  </p:timing>
 </p:sld>
 </file>
 
-<file path=ppt/slides/slide28.xml><?xml version="1.0" encoding="utf-8"?>
+<file path=ppt/slides/slide3.xml><?xml version="1.0" encoding="utf-8"?>
 <p:sld xmlns:a="http://schemas.openxmlformats.org/drawingml/2006/main" xmlns:r="http://schemas.openxmlformats.org/officeDocument/2006/relationships" xmlns:p="http://schemas.openxmlformats.org/presentationml/2006/main">
   <p:cSld>
     <p:spTree>
@@ -5810,6 +6139,138 @@
           <a:p>
             <a:r>
               <a:rPr lang="zh-TW" altLang="en-US" dirty="0" smtClean="0"/>
+              <a:t>學習目標</a:t>
+            </a:r>
+            <a:endParaRPr lang="zh-TW" altLang="en-US" dirty="0"/>
+          </a:p>
+        </p:txBody>
+      </p:sp>
+      <p:sp>
+        <p:nvSpPr>
+          <p:cNvPr id="3" name="內容版面配置區 2"/>
+          <p:cNvSpPr>
+            <a:spLocks noGrp="1"/>
+          </p:cNvSpPr>
+          <p:nvPr>
+            <p:ph idx="1"/>
+          </p:nvPr>
+        </p:nvSpPr>
+        <p:spPr/>
+        <p:txBody>
+          <a:bodyPr/>
+          <a:lstStyle/>
+          <a:p>
+            <a:r>
+              <a:rPr lang="en-US" altLang="zh-TW" dirty="0" smtClean="0"/>
+              <a:t>Database </a:t>
+            </a:r>
+            <a:r>
+              <a:rPr lang="zh-TW" altLang="en-US" dirty="0" smtClean="0"/>
+              <a:t>概念</a:t>
+            </a:r>
+            <a:endParaRPr lang="en-US" altLang="zh-TW" dirty="0" smtClean="0"/>
+          </a:p>
+          <a:p>
+            <a:r>
+              <a:rPr lang="en-US" altLang="zh-TW" dirty="0" smtClean="0"/>
+              <a:t>SQL </a:t>
+            </a:r>
+            <a:r>
+              <a:rPr lang="zh-TW" altLang="en-US" dirty="0" smtClean="0"/>
+              <a:t>操作 </a:t>
+            </a:r>
+            <a:r>
+              <a:rPr lang="en-US" altLang="zh-TW" dirty="0" smtClean="0"/>
+              <a:t>: CRUD</a:t>
+            </a:r>
+          </a:p>
+          <a:p>
+            <a:r>
+              <a:rPr lang="zh-TW" altLang="en-US" dirty="0" smtClean="0"/>
+              <a:t>實作</a:t>
+            </a:r>
+            <a:r>
+              <a:rPr lang="en-US" altLang="zh-TW" dirty="0" smtClean="0"/>
+              <a:t>: TS, </a:t>
+            </a:r>
+            <a:r>
+              <a:rPr lang="zh-TW" altLang="en-US" dirty="0" smtClean="0"/>
+              <a:t>寫入</a:t>
+            </a:r>
+            <a:r>
+              <a:rPr lang="en-US" altLang="zh-TW" dirty="0" smtClean="0"/>
+              <a:t>/ </a:t>
+            </a:r>
+            <a:r>
+              <a:rPr lang="zh-TW" altLang="en-US" dirty="0" smtClean="0"/>
+              <a:t>讀出</a:t>
+            </a:r>
+            <a:r>
+              <a:rPr lang="en-US" altLang="zh-TW" dirty="0" smtClean="0"/>
+              <a:t>/ </a:t>
+            </a:r>
+            <a:r>
+              <a:rPr lang="zh-TW" altLang="en-US" dirty="0" smtClean="0"/>
+              <a:t>更新 資料</a:t>
+            </a:r>
+            <a:endParaRPr lang="zh-TW" altLang="en-US" dirty="0"/>
+          </a:p>
+        </p:txBody>
+      </p:sp>
+    </p:spTree>
+    <p:extLst>
+      <p:ext uri="{BB962C8B-B14F-4D97-AF65-F5344CB8AC3E}">
+        <p14:creationId xmlns:p14="http://schemas.microsoft.com/office/powerpoint/2010/main" val="104931355"/>
+      </p:ext>
+    </p:extLst>
+  </p:cSld>
+  <p:clrMapOvr>
+    <a:masterClrMapping/>
+  </p:clrMapOvr>
+  <p:timing>
+    <p:tnLst>
+      <p:par>
+        <p:cTn id="1" dur="indefinite" restart="never" nodeType="tmRoot"/>
+      </p:par>
+    </p:tnLst>
+  </p:timing>
+</p:sld>
+</file>
+
+<file path=ppt/slides/slide30.xml><?xml version="1.0" encoding="utf-8"?>
+<p:sld xmlns:a="http://schemas.openxmlformats.org/drawingml/2006/main" xmlns:r="http://schemas.openxmlformats.org/officeDocument/2006/relationships" xmlns:p="http://schemas.openxmlformats.org/presentationml/2006/main">
+  <p:cSld>
+    <p:spTree>
+      <p:nvGrpSpPr>
+        <p:cNvPr id="1" name=""/>
+        <p:cNvGrpSpPr/>
+        <p:nvPr/>
+      </p:nvGrpSpPr>
+      <p:grpSpPr>
+        <a:xfrm>
+          <a:off x="0" y="0"/>
+          <a:ext cx="0" cy="0"/>
+          <a:chOff x="0" y="0"/>
+          <a:chExt cx="0" cy="0"/>
+        </a:xfrm>
+      </p:grpSpPr>
+      <p:sp>
+        <p:nvSpPr>
+          <p:cNvPr id="2" name="標題 1"/>
+          <p:cNvSpPr>
+            <a:spLocks noGrp="1"/>
+          </p:cNvSpPr>
+          <p:nvPr>
+            <p:ph type="title"/>
+          </p:nvPr>
+        </p:nvSpPr>
+        <p:spPr/>
+        <p:txBody>
+          <a:bodyPr/>
+          <a:lstStyle/>
+          <a:p>
+            <a:r>
+              <a:rPr lang="zh-TW" altLang="en-US" dirty="0" smtClean="0"/>
               <a:t>觸發 </a:t>
             </a:r>
             <a:r>
@@ -5833,7 +6294,7 @@
         <p:spPr>
           <a:xfrm>
             <a:off x="589189" y="1611573"/>
-            <a:ext cx="11013622" cy="5909310"/>
+            <a:ext cx="11013622" cy="8956298"/>
           </a:xfrm>
           <a:prstGeom prst="rect">
             <a:avLst/>
@@ -5845,6 +6306,292 @@
           </a:bodyPr>
           <a:lstStyle/>
           <a:p>
+            <a:endParaRPr lang="zh-TW" altLang="en-US" dirty="0"/>
+          </a:p>
+          <a:p>
+            <a:r>
+              <a:rPr lang="en-US" altLang="zh-TW" dirty="0"/>
+              <a:t>-- </a:t>
+            </a:r>
+            <a:r>
+              <a:rPr lang="zh-TW" altLang="en-US" dirty="0"/>
+              <a:t>建立 </a:t>
+            </a:r>
+            <a:r>
+              <a:rPr lang="en-US" altLang="zh-TW" dirty="0"/>
+              <a:t>Trigger</a:t>
+            </a:r>
+            <a:r>
+              <a:rPr lang="zh-TW" altLang="en-US" dirty="0"/>
+              <a:t>，觸發程序名稱 </a:t>
+            </a:r>
+            <a:r>
+              <a:rPr lang="en-US" altLang="zh-TW" dirty="0" err="1"/>
+              <a:t>Tr_Photo_changed</a:t>
+            </a:r>
+            <a:r>
+              <a:rPr lang="en-US" altLang="zh-TW" dirty="0"/>
+              <a:t> </a:t>
+            </a:r>
+            <a:r>
+              <a:rPr lang="zh-TW" altLang="en-US" dirty="0"/>
+              <a:t>作用在資料表 </a:t>
+            </a:r>
+            <a:r>
+              <a:rPr lang="en-US" altLang="zh-TW" dirty="0"/>
+              <a:t>Photo</a:t>
+            </a:r>
+          </a:p>
+          <a:p>
+            <a:r>
+              <a:rPr lang="en-US" altLang="zh-TW" dirty="0"/>
+              <a:t>CREATE TRIGGER </a:t>
+            </a:r>
+            <a:r>
+              <a:rPr lang="en-US" altLang="zh-TW" dirty="0" err="1"/>
+              <a:t>Tr_Photo_changed</a:t>
+            </a:r>
+            <a:r>
+              <a:rPr lang="en-US" altLang="zh-TW" dirty="0"/>
+              <a:t> ON Photo    </a:t>
+            </a:r>
+          </a:p>
+          <a:p>
+            <a:r>
+              <a:rPr lang="en-US" altLang="zh-TW" dirty="0"/>
+              <a:t>FOR UPDATE,INSERT,DELETE                         </a:t>
+            </a:r>
+          </a:p>
+          <a:p>
+            <a:r>
+              <a:rPr lang="en-US" altLang="zh-TW" dirty="0"/>
+              <a:t>-- </a:t>
+            </a:r>
+            <a:r>
+              <a:rPr lang="zh-TW" altLang="en-US" dirty="0"/>
+              <a:t>動作 </a:t>
+            </a:r>
+            <a:r>
+              <a:rPr lang="en-US" altLang="zh-TW" dirty="0"/>
+              <a:t>Update</a:t>
+            </a:r>
+            <a:r>
+              <a:rPr lang="zh-TW" altLang="en-US" dirty="0"/>
+              <a:t>、</a:t>
+            </a:r>
+            <a:r>
+              <a:rPr lang="en-US" altLang="zh-TW" dirty="0"/>
+              <a:t>Insert</a:t>
+            </a:r>
+            <a:r>
+              <a:rPr lang="zh-TW" altLang="en-US" dirty="0"/>
+              <a:t>、</a:t>
+            </a:r>
+            <a:r>
+              <a:rPr lang="en-US" altLang="zh-TW" dirty="0"/>
+              <a:t>Delete </a:t>
+            </a:r>
+            <a:r>
+              <a:rPr lang="zh-TW" altLang="en-US" dirty="0"/>
+              <a:t>都觸發，另外 </a:t>
+            </a:r>
+            <a:r>
+              <a:rPr lang="en-US" altLang="zh-TW" dirty="0"/>
+              <a:t>FOR </a:t>
+            </a:r>
+            <a:r>
+              <a:rPr lang="zh-TW" altLang="en-US" dirty="0"/>
+              <a:t>可以換成 </a:t>
+            </a:r>
+            <a:r>
+              <a:rPr lang="en-US" altLang="zh-TW" dirty="0"/>
+              <a:t>AFTER </a:t>
+            </a:r>
+            <a:r>
+              <a:rPr lang="zh-TW" altLang="en-US" dirty="0"/>
+              <a:t>是當正常的資料庫異動完後才處理此 </a:t>
+            </a:r>
+            <a:r>
+              <a:rPr lang="en-US" altLang="zh-TW" dirty="0"/>
+              <a:t>Trigger</a:t>
+            </a:r>
+          </a:p>
+          <a:p>
+            <a:r>
+              <a:rPr lang="en-US" altLang="zh-TW" dirty="0"/>
+              <a:t>AS</a:t>
+            </a:r>
+          </a:p>
+          <a:p>
+            <a:endParaRPr lang="zh-TW" altLang="en-US" dirty="0"/>
+          </a:p>
+          <a:p>
+            <a:r>
+              <a:rPr lang="en-US" altLang="zh-TW" dirty="0"/>
+              <a:t>-- </a:t>
+            </a:r>
+            <a:r>
+              <a:rPr lang="zh-TW" altLang="en-US" dirty="0"/>
+              <a:t>判斷 </a:t>
+            </a:r>
+            <a:r>
+              <a:rPr lang="en-US" altLang="zh-TW" dirty="0"/>
+              <a:t>Photo </a:t>
+            </a:r>
+            <a:r>
+              <a:rPr lang="zh-TW" altLang="en-US" dirty="0"/>
+              <a:t>資料表中的 </a:t>
+            </a:r>
+            <a:r>
+              <a:rPr lang="en-US" altLang="zh-TW" dirty="0"/>
+              <a:t>name</a:t>
+            </a:r>
+            <a:r>
+              <a:rPr lang="zh-TW" altLang="en-US" dirty="0"/>
+              <a:t>欄位有異動時</a:t>
+            </a:r>
+          </a:p>
+          <a:p>
+            <a:r>
+              <a:rPr lang="en-US" altLang="zh-TW" dirty="0"/>
+              <a:t>IF (UPDATE(name))BEGIN</a:t>
+            </a:r>
+          </a:p>
+          <a:p>
+            <a:r>
+              <a:rPr lang="en-US" altLang="zh-TW" dirty="0"/>
+              <a:t>-- </a:t>
+            </a:r>
+            <a:r>
+              <a:rPr lang="zh-TW" altLang="en-US" dirty="0"/>
+              <a:t>將異動的該筆資料寫入到記錄資料表 </a:t>
+            </a:r>
+            <a:r>
+              <a:rPr lang="en-US" altLang="zh-TW" dirty="0"/>
+              <a:t>Photo2</a:t>
+            </a:r>
+            <a:endParaRPr lang="zh-TW" altLang="en-US" dirty="0"/>
+          </a:p>
+          <a:p>
+            <a:r>
+              <a:rPr lang="en-US" altLang="zh-TW" dirty="0"/>
+              <a:t>INSERT INTO Photo2 (</a:t>
+            </a:r>
+          </a:p>
+          <a:p>
+            <a:r>
+              <a:rPr lang="en-US" altLang="zh-TW" dirty="0"/>
+              <a:t>       [</a:t>
+            </a:r>
+            <a:r>
+              <a:rPr lang="en-US" altLang="zh-TW" dirty="0" err="1"/>
+              <a:t>old_id</a:t>
+            </a:r>
+            <a:r>
+              <a:rPr lang="en-US" altLang="zh-TW" dirty="0"/>
+              <a:t>]</a:t>
+            </a:r>
+          </a:p>
+          <a:p>
+            <a:r>
+              <a:rPr lang="en-US" altLang="zh-TW" dirty="0"/>
+              <a:t>      ,[name]</a:t>
+            </a:r>
+          </a:p>
+          <a:p>
+            <a:r>
+              <a:rPr lang="en-US" altLang="zh-TW" dirty="0"/>
+              <a:t>      ,[description]</a:t>
+            </a:r>
+          </a:p>
+          <a:p>
+            <a:r>
+              <a:rPr lang="en-US" altLang="zh-TW" dirty="0"/>
+              <a:t>      ,[filename]</a:t>
+            </a:r>
+          </a:p>
+          <a:p>
+            <a:r>
+              <a:rPr lang="en-US" altLang="zh-TW" dirty="0"/>
+              <a:t>      ,[views]</a:t>
+            </a:r>
+          </a:p>
+          <a:p>
+            <a:r>
+              <a:rPr lang="en-US" altLang="zh-TW" dirty="0"/>
+              <a:t>      ,[</a:t>
+            </a:r>
+            <a:r>
+              <a:rPr lang="en-US" altLang="zh-TW" dirty="0" err="1"/>
+              <a:t>isPublished</a:t>
+            </a:r>
+            <a:r>
+              <a:rPr lang="en-US" altLang="zh-TW" dirty="0"/>
+              <a:t>]</a:t>
+            </a:r>
+          </a:p>
+          <a:p>
+            <a:r>
+              <a:rPr lang="en-US" altLang="zh-TW" dirty="0"/>
+              <a:t>)</a:t>
+            </a:r>
+            <a:endParaRPr lang="zh-TW" altLang="en-US" dirty="0"/>
+          </a:p>
+          <a:p>
+            <a:r>
+              <a:rPr lang="en-US" altLang="zh-TW" dirty="0"/>
+              <a:t> SELECT  [id]</a:t>
+            </a:r>
+          </a:p>
+          <a:p>
+            <a:r>
+              <a:rPr lang="en-US" altLang="zh-TW" dirty="0"/>
+              <a:t>,[name]</a:t>
+            </a:r>
+          </a:p>
+          <a:p>
+            <a:r>
+              <a:rPr lang="en-US" altLang="zh-TW" dirty="0"/>
+              <a:t>,[description]</a:t>
+            </a:r>
+          </a:p>
+          <a:p>
+            <a:r>
+              <a:rPr lang="en-US" altLang="zh-TW" dirty="0"/>
+              <a:t>,[filename]</a:t>
+            </a:r>
+          </a:p>
+          <a:p>
+            <a:r>
+              <a:rPr lang="en-US" altLang="zh-TW" dirty="0"/>
+              <a:t>,[views]</a:t>
+            </a:r>
+          </a:p>
+          <a:p>
+            <a:r>
+              <a:rPr lang="en-US" altLang="zh-TW" dirty="0"/>
+              <a:t>,[</a:t>
+            </a:r>
+            <a:r>
+              <a:rPr lang="en-US" altLang="zh-TW" dirty="0" err="1"/>
+              <a:t>isPublished</a:t>
+            </a:r>
+            <a:r>
+              <a:rPr lang="en-US" altLang="zh-TW" dirty="0"/>
+              <a:t>]</a:t>
+            </a:r>
+          </a:p>
+          <a:p>
+            <a:r>
+              <a:rPr lang="en-US" altLang="zh-TW" dirty="0"/>
+              <a:t> FROM inserted    </a:t>
+            </a:r>
+          </a:p>
+          <a:p>
+            <a:r>
+              <a:rPr lang="en-US" altLang="zh-TW" dirty="0"/>
+              <a:t>END</a:t>
+            </a:r>
             <a:r>
               <a:rPr lang="en-US" altLang="zh-TW" dirty="0">
                 <a:solidFill>
@@ -5852,864 +6599,7 @@
                 </a:solidFill>
                 <a:latin typeface="Courier New" panose="02070309020205020404" pitchFamily="49" charset="0"/>
               </a:rPr>
-              <a:t>USE</a:t>
-            </a:r>
-            <a:r>
-              <a:rPr lang="en-US" altLang="zh-TW" dirty="0">
-                <a:solidFill>
-                  <a:srgbClr val="696867"/>
-                </a:solidFill>
-                <a:latin typeface="Courier New" panose="02070309020205020404" pitchFamily="49" charset="0"/>
-              </a:rPr>
-              <a:t> </a:t>
-            </a:r>
-            <a:r>
-              <a:rPr lang="en-US" altLang="zh-TW" dirty="0" smtClean="0">
-                <a:solidFill>
-                  <a:srgbClr val="008080"/>
-                </a:solidFill>
-                <a:latin typeface="Courier New" panose="02070309020205020404" pitchFamily="49" charset="0"/>
-              </a:rPr>
-              <a:t>testdb1 </a:t>
-            </a:r>
-            <a:r>
-              <a:rPr lang="en-US" altLang="zh-TW" dirty="0">
-                <a:solidFill>
-                  <a:srgbClr val="008080"/>
-                </a:solidFill>
-                <a:latin typeface="Courier New" panose="02070309020205020404" pitchFamily="49" charset="0"/>
-              </a:rPr>
-              <a:t>   </a:t>
-            </a:r>
-            <a:endParaRPr lang="en-US" altLang="zh-TW" dirty="0" smtClean="0">
-              <a:solidFill>
-                <a:srgbClr val="008080"/>
-              </a:solidFill>
-              <a:latin typeface="Courier New" panose="02070309020205020404" pitchFamily="49" charset="0"/>
-            </a:endParaRPr>
-          </a:p>
-          <a:p>
-            <a:r>
-              <a:rPr lang="en-US" altLang="zh-TW" dirty="0" smtClean="0">
-                <a:solidFill>
-                  <a:srgbClr val="0000FF"/>
-                </a:solidFill>
-                <a:latin typeface="Courier New" panose="02070309020205020404" pitchFamily="49" charset="0"/>
-              </a:rPr>
-              <a:t>GO</a:t>
-            </a:r>
-            <a:r>
-              <a:rPr lang="en-US" altLang="zh-TW" dirty="0">
-                <a:solidFill>
-                  <a:srgbClr val="0000FF"/>
-                </a:solidFill>
-                <a:latin typeface="Courier New" panose="02070309020205020404" pitchFamily="49" charset="0"/>
-              </a:rPr>
               <a:t/>
-            </a:r>
-            <a:br>
-              <a:rPr lang="en-US" altLang="zh-TW" dirty="0">
-                <a:solidFill>
-                  <a:srgbClr val="0000FF"/>
-                </a:solidFill>
-                <a:latin typeface="Courier New" panose="02070309020205020404" pitchFamily="49" charset="0"/>
-              </a:rPr>
-            </a:br>
-            <a:r>
-              <a:rPr lang="en-US" altLang="zh-TW" dirty="0">
-                <a:solidFill>
-                  <a:srgbClr val="008080"/>
-                </a:solidFill>
-                <a:latin typeface="Courier New" panose="02070309020205020404" pitchFamily="49" charset="0"/>
-              </a:rPr>
-              <a:t>-- </a:t>
-            </a:r>
-            <a:r>
-              <a:rPr lang="zh-TW" altLang="en-US" dirty="0">
-                <a:solidFill>
-                  <a:srgbClr val="008080"/>
-                </a:solidFill>
-                <a:latin typeface="Courier New" panose="02070309020205020404" pitchFamily="49" charset="0"/>
-              </a:rPr>
-              <a:t>建立 </a:t>
-            </a:r>
-            <a:r>
-              <a:rPr lang="en-US" altLang="zh-TW" dirty="0">
-                <a:solidFill>
-                  <a:srgbClr val="008080"/>
-                </a:solidFill>
-                <a:latin typeface="Courier New" panose="02070309020205020404" pitchFamily="49" charset="0"/>
-              </a:rPr>
-              <a:t>Trigger</a:t>
-            </a:r>
-            <a:r>
-              <a:rPr lang="zh-TW" altLang="en-US" dirty="0">
-                <a:solidFill>
-                  <a:srgbClr val="008080"/>
-                </a:solidFill>
-                <a:latin typeface="Courier New" panose="02070309020205020404" pitchFamily="49" charset="0"/>
-              </a:rPr>
-              <a:t>，觸發程序名稱 </a:t>
-            </a:r>
-            <a:r>
-              <a:rPr lang="en-US" altLang="zh-TW" dirty="0" err="1" smtClean="0">
-                <a:solidFill>
-                  <a:srgbClr val="008080"/>
-                </a:solidFill>
-                <a:latin typeface="Courier New" panose="02070309020205020404" pitchFamily="49" charset="0"/>
-              </a:rPr>
-              <a:t>Tr_Photo_changed</a:t>
-            </a:r>
-            <a:r>
-              <a:rPr lang="en-US" altLang="zh-TW" dirty="0" smtClean="0">
-                <a:solidFill>
-                  <a:srgbClr val="008080"/>
-                </a:solidFill>
-                <a:latin typeface="Courier New" panose="02070309020205020404" pitchFamily="49" charset="0"/>
-              </a:rPr>
-              <a:t> </a:t>
-            </a:r>
-            <a:r>
-              <a:rPr lang="zh-TW" altLang="en-US" dirty="0">
-                <a:solidFill>
-                  <a:srgbClr val="008080"/>
-                </a:solidFill>
-                <a:latin typeface="Courier New" panose="02070309020205020404" pitchFamily="49" charset="0"/>
-              </a:rPr>
-              <a:t>作用在資料</a:t>
-            </a:r>
-            <a:r>
-              <a:rPr lang="zh-TW" altLang="en-US" dirty="0" smtClean="0">
-                <a:solidFill>
-                  <a:srgbClr val="008080"/>
-                </a:solidFill>
-                <a:latin typeface="Courier New" panose="02070309020205020404" pitchFamily="49" charset="0"/>
-              </a:rPr>
-              <a:t>表 </a:t>
-            </a:r>
-            <a:r>
-              <a:rPr lang="en-US" altLang="zh-TW" dirty="0" smtClean="0">
-                <a:solidFill>
-                  <a:srgbClr val="008080"/>
-                </a:solidFill>
-                <a:latin typeface="Courier New" panose="02070309020205020404" pitchFamily="49" charset="0"/>
-              </a:rPr>
-              <a:t>Photo</a:t>
-            </a:r>
-            <a:r>
-              <a:rPr lang="en-US" altLang="zh-TW" dirty="0">
-                <a:solidFill>
-                  <a:srgbClr val="008080"/>
-                </a:solidFill>
-                <a:latin typeface="Courier New" panose="02070309020205020404" pitchFamily="49" charset="0"/>
-              </a:rPr>
-              <a:t/>
-            </a:r>
-            <a:br>
-              <a:rPr lang="en-US" altLang="zh-TW" dirty="0">
-                <a:solidFill>
-                  <a:srgbClr val="008080"/>
-                </a:solidFill>
-                <a:latin typeface="Courier New" panose="02070309020205020404" pitchFamily="49" charset="0"/>
-              </a:rPr>
-            </a:br>
-            <a:r>
-              <a:rPr lang="en-US" altLang="zh-TW" dirty="0" smtClean="0">
-                <a:solidFill>
-                  <a:srgbClr val="0000FF"/>
-                </a:solidFill>
-                <a:latin typeface="Courier New" panose="02070309020205020404" pitchFamily="49" charset="0"/>
-              </a:rPr>
-              <a:t>CREATE</a:t>
-            </a:r>
-            <a:r>
-              <a:rPr lang="en-US" altLang="zh-TW" dirty="0">
-                <a:solidFill>
-                  <a:srgbClr val="696867"/>
-                </a:solidFill>
-                <a:latin typeface="Courier New" panose="02070309020205020404" pitchFamily="49" charset="0"/>
-              </a:rPr>
-              <a:t> </a:t>
-            </a:r>
-            <a:r>
-              <a:rPr lang="en-US" altLang="zh-TW" dirty="0">
-                <a:solidFill>
-                  <a:srgbClr val="0000FF"/>
-                </a:solidFill>
-                <a:latin typeface="Courier New" panose="02070309020205020404" pitchFamily="49" charset="0"/>
-              </a:rPr>
-              <a:t>TRIGGER</a:t>
-            </a:r>
-            <a:r>
-              <a:rPr lang="en-US" altLang="zh-TW" dirty="0">
-                <a:solidFill>
-                  <a:srgbClr val="696867"/>
-                </a:solidFill>
-                <a:latin typeface="Courier New" panose="02070309020205020404" pitchFamily="49" charset="0"/>
-              </a:rPr>
-              <a:t> </a:t>
-            </a:r>
-            <a:r>
-              <a:rPr lang="en-US" altLang="zh-TW" dirty="0" err="1" smtClean="0">
-                <a:solidFill>
-                  <a:srgbClr val="008080"/>
-                </a:solidFill>
-                <a:latin typeface="Courier New" panose="02070309020205020404" pitchFamily="49" charset="0"/>
-              </a:rPr>
-              <a:t>Tr_Photo_changed</a:t>
-            </a:r>
-            <a:r>
-              <a:rPr lang="en-US" altLang="zh-TW" dirty="0">
-                <a:solidFill>
-                  <a:srgbClr val="696867"/>
-                </a:solidFill>
-                <a:latin typeface="Courier New" panose="02070309020205020404" pitchFamily="49" charset="0"/>
-              </a:rPr>
-              <a:t> </a:t>
-            </a:r>
-            <a:r>
-              <a:rPr lang="en-US" altLang="zh-TW" dirty="0">
-                <a:solidFill>
-                  <a:srgbClr val="0000FF"/>
-                </a:solidFill>
-                <a:latin typeface="Courier New" panose="02070309020205020404" pitchFamily="49" charset="0"/>
-              </a:rPr>
-              <a:t>ON</a:t>
-            </a:r>
-            <a:r>
-              <a:rPr lang="en-US" altLang="zh-TW" dirty="0">
-                <a:solidFill>
-                  <a:srgbClr val="696867"/>
-                </a:solidFill>
-                <a:latin typeface="Courier New" panose="02070309020205020404" pitchFamily="49" charset="0"/>
-              </a:rPr>
-              <a:t> </a:t>
-            </a:r>
-            <a:r>
-              <a:rPr lang="en-US" altLang="zh-TW" dirty="0" smtClean="0">
-                <a:solidFill>
-                  <a:srgbClr val="008080"/>
-                </a:solidFill>
-                <a:latin typeface="Courier New" panose="02070309020205020404" pitchFamily="49" charset="0"/>
-              </a:rPr>
-              <a:t>Photo</a:t>
-            </a:r>
-            <a:r>
-              <a:rPr lang="en-US" altLang="zh-TW" dirty="0">
-                <a:solidFill>
-                  <a:srgbClr val="008080"/>
-                </a:solidFill>
-                <a:latin typeface="Courier New" panose="02070309020205020404" pitchFamily="49" charset="0"/>
-              </a:rPr>
-              <a:t>    </a:t>
-            </a:r>
-            <a:endParaRPr lang="en-US" altLang="zh-TW" dirty="0" smtClean="0">
-              <a:solidFill>
-                <a:srgbClr val="008080"/>
-              </a:solidFill>
-              <a:latin typeface="Courier New" panose="02070309020205020404" pitchFamily="49" charset="0"/>
-            </a:endParaRPr>
-          </a:p>
-          <a:p>
-            <a:r>
-              <a:rPr lang="en-US" altLang="zh-TW" dirty="0" smtClean="0">
-                <a:solidFill>
-                  <a:srgbClr val="0000FF"/>
-                </a:solidFill>
-                <a:latin typeface="Courier New" panose="02070309020205020404" pitchFamily="49" charset="0"/>
-              </a:rPr>
-              <a:t>FOR</a:t>
-            </a:r>
-            <a:r>
-              <a:rPr lang="en-US" altLang="zh-TW" dirty="0">
-                <a:solidFill>
-                  <a:srgbClr val="696867"/>
-                </a:solidFill>
-                <a:latin typeface="Courier New" panose="02070309020205020404" pitchFamily="49" charset="0"/>
-              </a:rPr>
-              <a:t> </a:t>
-            </a:r>
-            <a:r>
-              <a:rPr lang="en-US" altLang="zh-TW" dirty="0">
-                <a:solidFill>
-                  <a:srgbClr val="0000FF"/>
-                </a:solidFill>
-                <a:latin typeface="Courier New" panose="02070309020205020404" pitchFamily="49" charset="0"/>
-              </a:rPr>
-              <a:t>UPDATE</a:t>
-            </a:r>
-            <a:r>
-              <a:rPr lang="en-US" altLang="zh-TW" dirty="0">
-                <a:solidFill>
-                  <a:srgbClr val="808080"/>
-                </a:solidFill>
-                <a:latin typeface="Courier New" panose="02070309020205020404" pitchFamily="49" charset="0"/>
-              </a:rPr>
-              <a:t>,</a:t>
-            </a:r>
-            <a:r>
-              <a:rPr lang="en-US" altLang="zh-TW" dirty="0">
-                <a:solidFill>
-                  <a:srgbClr val="0000FF"/>
-                </a:solidFill>
-                <a:latin typeface="Courier New" panose="02070309020205020404" pitchFamily="49" charset="0"/>
-              </a:rPr>
-              <a:t>INSERT</a:t>
-            </a:r>
-            <a:r>
-              <a:rPr lang="en-US" altLang="zh-TW" dirty="0">
-                <a:solidFill>
-                  <a:srgbClr val="808080"/>
-                </a:solidFill>
-                <a:latin typeface="Courier New" panose="02070309020205020404" pitchFamily="49" charset="0"/>
-              </a:rPr>
-              <a:t>,</a:t>
-            </a:r>
-            <a:r>
-              <a:rPr lang="en-US" altLang="zh-TW" dirty="0">
-                <a:solidFill>
-                  <a:srgbClr val="0000FF"/>
-                </a:solidFill>
-                <a:latin typeface="Courier New" panose="02070309020205020404" pitchFamily="49" charset="0"/>
-              </a:rPr>
-              <a:t>DELETE   </a:t>
-            </a:r>
-            <a:r>
-              <a:rPr lang="en-US" altLang="zh-TW" dirty="0">
-                <a:solidFill>
-                  <a:srgbClr val="008080"/>
-                </a:solidFill>
-                <a:latin typeface="Courier New" panose="02070309020205020404" pitchFamily="49" charset="0"/>
-              </a:rPr>
-              <a:t>                      </a:t>
-            </a:r>
-            <a:endParaRPr lang="en-US" altLang="zh-TW" dirty="0" smtClean="0">
-              <a:solidFill>
-                <a:srgbClr val="008080"/>
-              </a:solidFill>
-              <a:latin typeface="Courier New" panose="02070309020205020404" pitchFamily="49" charset="0"/>
-            </a:endParaRPr>
-          </a:p>
-          <a:p>
-            <a:r>
-              <a:rPr lang="en-US" altLang="zh-TW" dirty="0" smtClean="0">
-                <a:solidFill>
-                  <a:srgbClr val="008080"/>
-                </a:solidFill>
-                <a:latin typeface="Courier New" panose="02070309020205020404" pitchFamily="49" charset="0"/>
-              </a:rPr>
-              <a:t>-- </a:t>
-            </a:r>
-            <a:r>
-              <a:rPr lang="zh-TW" altLang="en-US" dirty="0">
-                <a:solidFill>
-                  <a:srgbClr val="008080"/>
-                </a:solidFill>
-                <a:latin typeface="Courier New" panose="02070309020205020404" pitchFamily="49" charset="0"/>
-              </a:rPr>
-              <a:t>動作 </a:t>
-            </a:r>
-            <a:r>
-              <a:rPr lang="en-US" altLang="zh-TW" dirty="0">
-                <a:solidFill>
-                  <a:srgbClr val="008080"/>
-                </a:solidFill>
-                <a:latin typeface="Courier New" panose="02070309020205020404" pitchFamily="49" charset="0"/>
-              </a:rPr>
-              <a:t>Update</a:t>
-            </a:r>
-            <a:r>
-              <a:rPr lang="zh-TW" altLang="en-US" dirty="0">
-                <a:solidFill>
-                  <a:srgbClr val="008080"/>
-                </a:solidFill>
-                <a:latin typeface="Courier New" panose="02070309020205020404" pitchFamily="49" charset="0"/>
-              </a:rPr>
-              <a:t>、</a:t>
-            </a:r>
-            <a:r>
-              <a:rPr lang="en-US" altLang="zh-TW" dirty="0">
-                <a:solidFill>
-                  <a:srgbClr val="008080"/>
-                </a:solidFill>
-                <a:latin typeface="Courier New" panose="02070309020205020404" pitchFamily="49" charset="0"/>
-              </a:rPr>
-              <a:t>Insert</a:t>
-            </a:r>
-            <a:r>
-              <a:rPr lang="zh-TW" altLang="en-US" dirty="0">
-                <a:solidFill>
-                  <a:srgbClr val="008080"/>
-                </a:solidFill>
-                <a:latin typeface="Courier New" panose="02070309020205020404" pitchFamily="49" charset="0"/>
-              </a:rPr>
-              <a:t>、</a:t>
-            </a:r>
-            <a:r>
-              <a:rPr lang="en-US" altLang="zh-TW" dirty="0">
-                <a:solidFill>
-                  <a:srgbClr val="008080"/>
-                </a:solidFill>
-                <a:latin typeface="Courier New" panose="02070309020205020404" pitchFamily="49" charset="0"/>
-              </a:rPr>
-              <a:t>Delete </a:t>
-            </a:r>
-            <a:r>
-              <a:rPr lang="zh-TW" altLang="en-US" dirty="0">
-                <a:solidFill>
-                  <a:srgbClr val="008080"/>
-                </a:solidFill>
-                <a:latin typeface="Courier New" panose="02070309020205020404" pitchFamily="49" charset="0"/>
-              </a:rPr>
-              <a:t>都觸發，另外 </a:t>
-            </a:r>
-            <a:r>
-              <a:rPr lang="en-US" altLang="zh-TW" dirty="0">
-                <a:solidFill>
-                  <a:srgbClr val="008080"/>
-                </a:solidFill>
-                <a:latin typeface="Courier New" panose="02070309020205020404" pitchFamily="49" charset="0"/>
-              </a:rPr>
-              <a:t>FOR </a:t>
-            </a:r>
-            <a:r>
-              <a:rPr lang="zh-TW" altLang="en-US" dirty="0">
-                <a:solidFill>
-                  <a:srgbClr val="008080"/>
-                </a:solidFill>
-                <a:latin typeface="Courier New" panose="02070309020205020404" pitchFamily="49" charset="0"/>
-              </a:rPr>
-              <a:t>可以換成 </a:t>
-            </a:r>
-            <a:r>
-              <a:rPr lang="en-US" altLang="zh-TW" dirty="0">
-                <a:solidFill>
-                  <a:srgbClr val="008080"/>
-                </a:solidFill>
-                <a:latin typeface="Courier New" panose="02070309020205020404" pitchFamily="49" charset="0"/>
-              </a:rPr>
-              <a:t>AFTER </a:t>
-            </a:r>
-            <a:r>
-              <a:rPr lang="zh-TW" altLang="en-US" dirty="0">
-                <a:solidFill>
-                  <a:srgbClr val="008080"/>
-                </a:solidFill>
-                <a:latin typeface="Courier New" panose="02070309020205020404" pitchFamily="49" charset="0"/>
-              </a:rPr>
-              <a:t>是當正常的資料庫異動完後才處理此 </a:t>
-            </a:r>
-            <a:r>
-              <a:rPr lang="en-US" altLang="zh-TW" dirty="0">
-                <a:solidFill>
-                  <a:srgbClr val="008080"/>
-                </a:solidFill>
-                <a:latin typeface="Courier New" panose="02070309020205020404" pitchFamily="49" charset="0"/>
-              </a:rPr>
-              <a:t>Trigger</a:t>
-            </a:r>
-            <a:r>
-              <a:rPr lang="en-US" altLang="zh-TW" dirty="0">
-                <a:solidFill>
-                  <a:srgbClr val="0000FF"/>
-                </a:solidFill>
-                <a:latin typeface="Courier New" panose="02070309020205020404" pitchFamily="49" charset="0"/>
-              </a:rPr>
-              <a:t/>
-            </a:r>
-            <a:br>
-              <a:rPr lang="en-US" altLang="zh-TW" dirty="0">
-                <a:solidFill>
-                  <a:srgbClr val="0000FF"/>
-                </a:solidFill>
-                <a:latin typeface="Courier New" panose="02070309020205020404" pitchFamily="49" charset="0"/>
-              </a:rPr>
-            </a:br>
-            <a:r>
-              <a:rPr lang="en-US" altLang="zh-TW" dirty="0" smtClean="0">
-                <a:solidFill>
-                  <a:srgbClr val="0000FF"/>
-                </a:solidFill>
-                <a:latin typeface="Courier New" panose="02070309020205020404" pitchFamily="49" charset="0"/>
-              </a:rPr>
-              <a:t>AS</a:t>
-            </a:r>
-          </a:p>
-          <a:p>
-            <a:endParaRPr lang="en-US" altLang="zh-TW" dirty="0" smtClean="0">
-              <a:solidFill>
-                <a:srgbClr val="0000FF"/>
-              </a:solidFill>
-              <a:latin typeface="Courier New" panose="02070309020205020404" pitchFamily="49" charset="0"/>
-            </a:endParaRPr>
-          </a:p>
-          <a:p>
-            <a:r>
-              <a:rPr lang="en-US" altLang="zh-TW" dirty="0">
-                <a:solidFill>
-                  <a:srgbClr val="008080"/>
-                </a:solidFill>
-                <a:latin typeface="Courier New" panose="02070309020205020404" pitchFamily="49" charset="0"/>
-              </a:rPr>
-              <a:t>-- </a:t>
-            </a:r>
-            <a:r>
-              <a:rPr lang="zh-TW" altLang="en-US" dirty="0">
-                <a:solidFill>
-                  <a:srgbClr val="008080"/>
-                </a:solidFill>
-                <a:latin typeface="Courier New" panose="02070309020205020404" pitchFamily="49" charset="0"/>
-              </a:rPr>
-              <a:t>判斷 </a:t>
-            </a:r>
-            <a:r>
-              <a:rPr lang="en-US" altLang="zh-TW" dirty="0" smtClean="0">
-                <a:solidFill>
-                  <a:srgbClr val="008080"/>
-                </a:solidFill>
-                <a:latin typeface="Courier New" panose="02070309020205020404" pitchFamily="49" charset="0"/>
-              </a:rPr>
-              <a:t>Photo </a:t>
-            </a:r>
-            <a:r>
-              <a:rPr lang="zh-TW" altLang="en-US" dirty="0" smtClean="0">
-                <a:solidFill>
-                  <a:srgbClr val="008080"/>
-                </a:solidFill>
-                <a:latin typeface="Courier New" panose="02070309020205020404" pitchFamily="49" charset="0"/>
-              </a:rPr>
-              <a:t>資料</a:t>
-            </a:r>
-            <a:r>
-              <a:rPr lang="zh-TW" altLang="en-US" dirty="0">
-                <a:solidFill>
-                  <a:srgbClr val="008080"/>
-                </a:solidFill>
-                <a:latin typeface="Courier New" panose="02070309020205020404" pitchFamily="49" charset="0"/>
-              </a:rPr>
-              <a:t>表中的 </a:t>
-            </a:r>
-            <a:r>
-              <a:rPr lang="en-US" altLang="zh-TW" dirty="0" smtClean="0">
-                <a:solidFill>
-                  <a:srgbClr val="008080"/>
-                </a:solidFill>
-                <a:latin typeface="Courier New" panose="02070309020205020404" pitchFamily="49" charset="0"/>
-              </a:rPr>
-              <a:t>name</a:t>
-            </a:r>
-            <a:r>
-              <a:rPr lang="zh-TW" altLang="en-US" dirty="0" smtClean="0">
-                <a:solidFill>
-                  <a:srgbClr val="008080"/>
-                </a:solidFill>
-                <a:latin typeface="Courier New" panose="02070309020205020404" pitchFamily="49" charset="0"/>
-              </a:rPr>
-              <a:t>欄位</a:t>
-            </a:r>
-            <a:r>
-              <a:rPr lang="zh-TW" altLang="en-US" dirty="0">
-                <a:solidFill>
-                  <a:srgbClr val="008080"/>
-                </a:solidFill>
-                <a:latin typeface="Courier New" panose="02070309020205020404" pitchFamily="49" charset="0"/>
-              </a:rPr>
-              <a:t>有異動時</a:t>
-            </a:r>
-            <a:r>
-              <a:rPr lang="en-US" altLang="zh-TW" dirty="0">
-                <a:solidFill>
-                  <a:srgbClr val="0000FF"/>
-                </a:solidFill>
-                <a:latin typeface="Courier New" panose="02070309020205020404" pitchFamily="49" charset="0"/>
-              </a:rPr>
-              <a:t/>
-            </a:r>
-            <a:br>
-              <a:rPr lang="en-US" altLang="zh-TW" dirty="0">
-                <a:solidFill>
-                  <a:srgbClr val="0000FF"/>
-                </a:solidFill>
-                <a:latin typeface="Courier New" panose="02070309020205020404" pitchFamily="49" charset="0"/>
-              </a:rPr>
-            </a:br>
-            <a:r>
-              <a:rPr lang="en-US" altLang="zh-TW" dirty="0">
-                <a:solidFill>
-                  <a:srgbClr val="0000FF"/>
-                </a:solidFill>
-                <a:latin typeface="Courier New" panose="02070309020205020404" pitchFamily="49" charset="0"/>
-              </a:rPr>
-              <a:t>IF </a:t>
-            </a:r>
-            <a:r>
-              <a:rPr lang="en-US" altLang="zh-TW" dirty="0">
-                <a:solidFill>
-                  <a:srgbClr val="808080"/>
-                </a:solidFill>
-                <a:latin typeface="Courier New" panose="02070309020205020404" pitchFamily="49" charset="0"/>
-              </a:rPr>
-              <a:t>(</a:t>
-            </a:r>
-            <a:r>
-              <a:rPr lang="en-US" altLang="zh-TW" dirty="0" smtClean="0">
-                <a:solidFill>
-                  <a:srgbClr val="0000FF"/>
-                </a:solidFill>
-                <a:latin typeface="Courier New" panose="02070309020205020404" pitchFamily="49" charset="0"/>
-              </a:rPr>
-              <a:t>UPDATE</a:t>
-            </a:r>
-            <a:r>
-              <a:rPr lang="en-US" altLang="zh-TW" dirty="0" smtClean="0">
-                <a:solidFill>
-                  <a:srgbClr val="808080"/>
-                </a:solidFill>
-                <a:latin typeface="Courier New" panose="02070309020205020404" pitchFamily="49" charset="0"/>
-              </a:rPr>
-              <a:t>(</a:t>
-            </a:r>
-            <a:r>
-              <a:rPr lang="en-US" altLang="zh-TW" dirty="0" smtClean="0">
-                <a:solidFill>
-                  <a:srgbClr val="0000FF"/>
-                </a:solidFill>
-                <a:latin typeface="Courier New" panose="02070309020205020404" pitchFamily="49" charset="0"/>
-              </a:rPr>
-              <a:t>name</a:t>
-            </a:r>
-            <a:r>
-              <a:rPr lang="en-US" altLang="zh-TW" dirty="0" smtClean="0">
-                <a:solidFill>
-                  <a:srgbClr val="808080"/>
-                </a:solidFill>
-                <a:latin typeface="Courier New" panose="02070309020205020404" pitchFamily="49" charset="0"/>
-              </a:rPr>
-              <a:t>))</a:t>
-            </a:r>
-            <a:r>
-              <a:rPr lang="zh-TW" altLang="en-US" dirty="0">
-                <a:solidFill>
-                  <a:srgbClr val="808080"/>
-                </a:solidFill>
-                <a:latin typeface="Courier New" panose="02070309020205020404" pitchFamily="49" charset="0"/>
-              </a:rPr>
-              <a:t/>
-            </a:r>
-            <a:br>
-              <a:rPr lang="zh-TW" altLang="en-US" dirty="0">
-                <a:solidFill>
-                  <a:srgbClr val="808080"/>
-                </a:solidFill>
-                <a:latin typeface="Courier New" panose="02070309020205020404" pitchFamily="49" charset="0"/>
-              </a:rPr>
-            </a:br>
-            <a:r>
-              <a:rPr lang="en-US" altLang="zh-TW" dirty="0" smtClean="0">
-                <a:solidFill>
-                  <a:srgbClr val="0000FF"/>
-                </a:solidFill>
-                <a:latin typeface="Courier New" panose="02070309020205020404" pitchFamily="49" charset="0"/>
-              </a:rPr>
-              <a:t>BEGIN</a:t>
-            </a:r>
-          </a:p>
-          <a:p>
-            <a:pPr lvl="1"/>
-            <a:r>
-              <a:rPr lang="en-US" altLang="zh-TW" dirty="0">
-                <a:solidFill>
-                  <a:srgbClr val="008080"/>
-                </a:solidFill>
-                <a:latin typeface="Courier New" panose="02070309020205020404" pitchFamily="49" charset="0"/>
-              </a:rPr>
-              <a:t>-- </a:t>
-            </a:r>
-            <a:r>
-              <a:rPr lang="zh-TW" altLang="en-US" dirty="0">
-                <a:solidFill>
-                  <a:srgbClr val="008080"/>
-                </a:solidFill>
-                <a:latin typeface="Courier New" panose="02070309020205020404" pitchFamily="49" charset="0"/>
-              </a:rPr>
-              <a:t>將異動的該筆資料寫入到記錄資料表 </a:t>
-            </a:r>
-            <a:r>
-              <a:rPr lang="en-US" altLang="zh-TW" dirty="0">
-                <a:solidFill>
-                  <a:srgbClr val="008080"/>
-                </a:solidFill>
-                <a:latin typeface="Courier New" panose="02070309020205020404" pitchFamily="49" charset="0"/>
-              </a:rPr>
-              <a:t>Photo2</a:t>
-            </a:r>
-            <a:r>
-              <a:rPr lang="en-US" altLang="zh-TW" dirty="0">
-                <a:solidFill>
-                  <a:srgbClr val="0000FF"/>
-                </a:solidFill>
-                <a:latin typeface="Courier New" panose="02070309020205020404" pitchFamily="49" charset="0"/>
-              </a:rPr>
-              <a:t/>
-            </a:r>
-            <a:br>
-              <a:rPr lang="en-US" altLang="zh-TW" dirty="0">
-                <a:solidFill>
-                  <a:srgbClr val="0000FF"/>
-                </a:solidFill>
-                <a:latin typeface="Courier New" panose="02070309020205020404" pitchFamily="49" charset="0"/>
-              </a:rPr>
-            </a:br>
-            <a:r>
-              <a:rPr lang="en-US" altLang="zh-TW" dirty="0" smtClean="0">
-                <a:solidFill>
-                  <a:srgbClr val="0000FF"/>
-                </a:solidFill>
-                <a:latin typeface="Courier New" panose="02070309020205020404" pitchFamily="49" charset="0"/>
-              </a:rPr>
-              <a:t>INSERT</a:t>
-            </a:r>
-            <a:r>
-              <a:rPr lang="en-US" altLang="zh-TW" dirty="0">
-                <a:solidFill>
-                  <a:srgbClr val="696867"/>
-                </a:solidFill>
-                <a:latin typeface="Courier New" panose="02070309020205020404" pitchFamily="49" charset="0"/>
-              </a:rPr>
-              <a:t> </a:t>
-            </a:r>
-            <a:r>
-              <a:rPr lang="en-US" altLang="zh-TW" dirty="0">
-                <a:solidFill>
-                  <a:srgbClr val="0000FF"/>
-                </a:solidFill>
-                <a:latin typeface="Courier New" panose="02070309020205020404" pitchFamily="49" charset="0"/>
-              </a:rPr>
-              <a:t>INTO</a:t>
-            </a:r>
-            <a:r>
-              <a:rPr lang="en-US" altLang="zh-TW" dirty="0">
-                <a:solidFill>
-                  <a:srgbClr val="696867"/>
-                </a:solidFill>
-                <a:latin typeface="Courier New" panose="02070309020205020404" pitchFamily="49" charset="0"/>
-              </a:rPr>
-              <a:t> </a:t>
-            </a:r>
-            <a:r>
-              <a:rPr lang="en-US" altLang="zh-TW" dirty="0" smtClean="0">
-                <a:solidFill>
-                  <a:srgbClr val="008080"/>
-                </a:solidFill>
-                <a:latin typeface="Courier New" panose="02070309020205020404" pitchFamily="49" charset="0"/>
-              </a:rPr>
-              <a:t>Photo2</a:t>
-            </a:r>
-            <a:r>
-              <a:rPr lang="en-US" altLang="zh-TW" dirty="0">
-                <a:solidFill>
-                  <a:srgbClr val="696867"/>
-                </a:solidFill>
-                <a:latin typeface="Courier New" panose="02070309020205020404" pitchFamily="49" charset="0"/>
-              </a:rPr>
-              <a:t> </a:t>
-            </a:r>
-            <a:r>
-              <a:rPr lang="en-US" altLang="zh-TW" dirty="0">
-                <a:solidFill>
-                  <a:srgbClr val="0000FF"/>
-                </a:solidFill>
-                <a:latin typeface="Courier New" panose="02070309020205020404" pitchFamily="49" charset="0"/>
-              </a:rPr>
-              <a:t>SELECT</a:t>
-            </a:r>
-            <a:r>
-              <a:rPr lang="en-US" altLang="zh-TW" dirty="0">
-                <a:solidFill>
-                  <a:srgbClr val="696867"/>
-                </a:solidFill>
-                <a:latin typeface="Courier New" panose="02070309020205020404" pitchFamily="49" charset="0"/>
-              </a:rPr>
-              <a:t> </a:t>
-            </a:r>
-            <a:r>
-              <a:rPr lang="en-US" altLang="zh-TW" dirty="0">
-                <a:solidFill>
-                  <a:srgbClr val="808080"/>
-                </a:solidFill>
-                <a:latin typeface="Courier New" panose="02070309020205020404" pitchFamily="49" charset="0"/>
-              </a:rPr>
-              <a:t>*</a:t>
-            </a:r>
-            <a:r>
-              <a:rPr lang="en-US" altLang="zh-TW" dirty="0">
-                <a:solidFill>
-                  <a:srgbClr val="696867"/>
-                </a:solidFill>
-                <a:latin typeface="Courier New" panose="02070309020205020404" pitchFamily="49" charset="0"/>
-              </a:rPr>
-              <a:t> </a:t>
-            </a:r>
-            <a:r>
-              <a:rPr lang="en-US" altLang="zh-TW" dirty="0">
-                <a:solidFill>
-                  <a:srgbClr val="0000FF"/>
-                </a:solidFill>
-                <a:latin typeface="Courier New" panose="02070309020205020404" pitchFamily="49" charset="0"/>
-              </a:rPr>
-              <a:t>FROM</a:t>
-            </a:r>
-            <a:r>
-              <a:rPr lang="en-US" altLang="zh-TW" dirty="0">
-                <a:solidFill>
-                  <a:srgbClr val="696867"/>
-                </a:solidFill>
-                <a:latin typeface="Courier New" panose="02070309020205020404" pitchFamily="49" charset="0"/>
-              </a:rPr>
-              <a:t> </a:t>
-            </a:r>
-            <a:r>
-              <a:rPr lang="en-US" altLang="zh-TW" dirty="0">
-                <a:solidFill>
-                  <a:srgbClr val="008080"/>
-                </a:solidFill>
-                <a:latin typeface="Courier New" panose="02070309020205020404" pitchFamily="49" charset="0"/>
-              </a:rPr>
-              <a:t>inserted    </a:t>
-            </a:r>
-            <a:endParaRPr lang="en-US" altLang="zh-TW" dirty="0" smtClean="0">
-              <a:solidFill>
-                <a:srgbClr val="008080"/>
-              </a:solidFill>
-              <a:latin typeface="Courier New" panose="02070309020205020404" pitchFamily="49" charset="0"/>
-            </a:endParaRPr>
-          </a:p>
-          <a:p>
-            <a:r>
-              <a:rPr lang="en-US" altLang="zh-TW" dirty="0">
-                <a:solidFill>
-                  <a:srgbClr val="008080"/>
-                </a:solidFill>
-                <a:latin typeface="Courier New" panose="02070309020205020404" pitchFamily="49" charset="0"/>
-              </a:rPr>
-              <a:t/>
-            </a:r>
-            <a:br>
-              <a:rPr lang="en-US" altLang="zh-TW" dirty="0">
-                <a:solidFill>
-                  <a:srgbClr val="008080"/>
-                </a:solidFill>
-                <a:latin typeface="Courier New" panose="02070309020205020404" pitchFamily="49" charset="0"/>
-              </a:rPr>
-            </a:br>
-            <a:r>
-              <a:rPr lang="en-US" altLang="zh-TW" dirty="0">
-                <a:solidFill>
-                  <a:srgbClr val="0000FF"/>
-                </a:solidFill>
-                <a:latin typeface="Courier New" panose="02070309020205020404" pitchFamily="49" charset="0"/>
-              </a:rPr>
-              <a:t>END</a:t>
             </a:r>
             <a:br>
               <a:rPr lang="en-US" altLang="zh-TW" dirty="0">
@@ -6961,10 +6851,17 @@
   <p:clrMapOvr>
     <a:masterClrMapping/>
   </p:clrMapOvr>
+  <p:timing>
+    <p:tnLst>
+      <p:par>
+        <p:cTn id="1" dur="indefinite" restart="never" nodeType="tmRoot"/>
+      </p:par>
+    </p:tnLst>
+  </p:timing>
 </p:sld>
 </file>
 
-<file path=ppt/slides/slide29.xml><?xml version="1.0" encoding="utf-8"?>
+<file path=ppt/slides/slide31.xml><?xml version="1.0" encoding="utf-8"?>
 <p:sld xmlns:a="http://schemas.openxmlformats.org/drawingml/2006/main" xmlns:r="http://schemas.openxmlformats.org/officeDocument/2006/relationships" xmlns:p="http://schemas.openxmlformats.org/presentationml/2006/main">
   <p:cSld>
     <p:spTree>
@@ -7256,7 +7153,7 @@
 </p:sld>
 </file>
 
-<file path=ppt/slides/slide3.xml><?xml version="1.0" encoding="utf-8"?>
+<file path=ppt/slides/slide32.xml><?xml version="1.0" encoding="utf-8"?>
 <p:sld xmlns:a="http://schemas.openxmlformats.org/drawingml/2006/main" xmlns:r="http://schemas.openxmlformats.org/officeDocument/2006/relationships" xmlns:p="http://schemas.openxmlformats.org/presentationml/2006/main">
   <p:cSld>
     <p:spTree>
@@ -7290,131 +7187,6 @@
           <a:p>
             <a:r>
               <a:rPr lang="zh-TW" altLang="en-US" dirty="0" smtClean="0"/>
-              <a:t>學習目標</a:t>
-            </a:r>
-            <a:endParaRPr lang="zh-TW" altLang="en-US" dirty="0"/>
-          </a:p>
-        </p:txBody>
-      </p:sp>
-      <p:sp>
-        <p:nvSpPr>
-          <p:cNvPr id="3" name="內容版面配置區 2"/>
-          <p:cNvSpPr>
-            <a:spLocks noGrp="1"/>
-          </p:cNvSpPr>
-          <p:nvPr>
-            <p:ph idx="1"/>
-          </p:nvPr>
-        </p:nvSpPr>
-        <p:spPr/>
-        <p:txBody>
-          <a:bodyPr/>
-          <a:lstStyle/>
-          <a:p>
-            <a:r>
-              <a:rPr lang="en-US" altLang="zh-TW" dirty="0" smtClean="0"/>
-              <a:t>Database </a:t>
-            </a:r>
-            <a:r>
-              <a:rPr lang="zh-TW" altLang="en-US" dirty="0" smtClean="0"/>
-              <a:t>概念</a:t>
-            </a:r>
-            <a:endParaRPr lang="en-US" altLang="zh-TW" dirty="0" smtClean="0"/>
-          </a:p>
-          <a:p>
-            <a:r>
-              <a:rPr lang="en-US" altLang="zh-TW" dirty="0" smtClean="0"/>
-              <a:t>SQL </a:t>
-            </a:r>
-            <a:r>
-              <a:rPr lang="zh-TW" altLang="en-US" dirty="0" smtClean="0"/>
-              <a:t>操作 </a:t>
-            </a:r>
-            <a:r>
-              <a:rPr lang="en-US" altLang="zh-TW" dirty="0" smtClean="0"/>
-              <a:t>: CRUD</a:t>
-            </a:r>
-          </a:p>
-          <a:p>
-            <a:r>
-              <a:rPr lang="zh-TW" altLang="en-US" dirty="0" smtClean="0"/>
-              <a:t>實作</a:t>
-            </a:r>
-            <a:r>
-              <a:rPr lang="en-US" altLang="zh-TW" dirty="0" smtClean="0"/>
-              <a:t>: TS, </a:t>
-            </a:r>
-            <a:r>
-              <a:rPr lang="zh-TW" altLang="en-US" dirty="0" smtClean="0"/>
-              <a:t>寫入</a:t>
-            </a:r>
-            <a:r>
-              <a:rPr lang="en-US" altLang="zh-TW" dirty="0" smtClean="0"/>
-              <a:t>/ </a:t>
-            </a:r>
-            <a:r>
-              <a:rPr lang="zh-TW" altLang="en-US" dirty="0" smtClean="0"/>
-              <a:t>讀出</a:t>
-            </a:r>
-            <a:r>
-              <a:rPr lang="en-US" altLang="zh-TW" dirty="0" smtClean="0"/>
-              <a:t>/ </a:t>
-            </a:r>
-            <a:r>
-              <a:rPr lang="zh-TW" altLang="en-US" dirty="0" smtClean="0"/>
-              <a:t>更新 資料</a:t>
-            </a:r>
-            <a:endParaRPr lang="zh-TW" altLang="en-US" dirty="0"/>
-          </a:p>
-        </p:txBody>
-      </p:sp>
-    </p:spTree>
-    <p:extLst>
-      <p:ext uri="{BB962C8B-B14F-4D97-AF65-F5344CB8AC3E}">
-        <p14:creationId xmlns:p14="http://schemas.microsoft.com/office/powerpoint/2010/main" val="104931355"/>
-      </p:ext>
-    </p:extLst>
-  </p:cSld>
-  <p:clrMapOvr>
-    <a:masterClrMapping/>
-  </p:clrMapOvr>
-</p:sld>
-</file>
-
-<file path=ppt/slides/slide30.xml><?xml version="1.0" encoding="utf-8"?>
-<p:sld xmlns:a="http://schemas.openxmlformats.org/drawingml/2006/main" xmlns:r="http://schemas.openxmlformats.org/officeDocument/2006/relationships" xmlns:p="http://schemas.openxmlformats.org/presentationml/2006/main">
-  <p:cSld>
-    <p:spTree>
-      <p:nvGrpSpPr>
-        <p:cNvPr id="1" name=""/>
-        <p:cNvGrpSpPr/>
-        <p:nvPr/>
-      </p:nvGrpSpPr>
-      <p:grpSpPr>
-        <a:xfrm>
-          <a:off x="0" y="0"/>
-          <a:ext cx="0" cy="0"/>
-          <a:chOff x="0" y="0"/>
-          <a:chExt cx="0" cy="0"/>
-        </a:xfrm>
-      </p:grpSpPr>
-      <p:sp>
-        <p:nvSpPr>
-          <p:cNvPr id="2" name="標題 1"/>
-          <p:cNvSpPr>
-            <a:spLocks noGrp="1"/>
-          </p:cNvSpPr>
-          <p:nvPr>
-            <p:ph type="title"/>
-          </p:nvPr>
-        </p:nvSpPr>
-        <p:spPr/>
-        <p:txBody>
-          <a:bodyPr/>
-          <a:lstStyle/>
-          <a:p>
-            <a:r>
-              <a:rPr lang="zh-TW" altLang="en-US" dirty="0" smtClean="0"/>
               <a:t>預存程序 </a:t>
             </a:r>
             <a:r>
@@ -8269,7 +8041,7 @@
 </p:sld>
 </file>
 
-<file path=ppt/slides/slide31.xml><?xml version="1.0" encoding="utf-8"?>
+<file path=ppt/slides/slide33.xml><?xml version="1.0" encoding="utf-8"?>
 <p:sld xmlns:a="http://schemas.openxmlformats.org/drawingml/2006/main" xmlns:r="http://schemas.openxmlformats.org/officeDocument/2006/relationships" xmlns:p="http://schemas.openxmlformats.org/presentationml/2006/main">
   <p:cSld>
     <p:spTree>
@@ -8537,6 +8309,13 @@
   <p:clrMapOvr>
     <a:masterClrMapping/>
   </p:clrMapOvr>
+  <p:timing>
+    <p:tnLst>
+      <p:par>
+        <p:cTn id="1" dur="indefinite" restart="never" nodeType="tmRoot"/>
+      </p:par>
+    </p:tnLst>
+  </p:timing>
 </p:sld>
 </file>
 
@@ -8660,6 +8439,13 @@
   <p:clrMapOvr>
     <a:masterClrMapping/>
   </p:clrMapOvr>
+  <p:timing>
+    <p:tnLst>
+      <p:par>
+        <p:cTn id="1" dur="indefinite" restart="never" nodeType="tmRoot"/>
+      </p:par>
+    </p:tnLst>
+  </p:timing>
 </p:sld>
 </file>
 
@@ -8791,6 +8577,13 @@
   <p:clrMapOvr>
     <a:masterClrMapping/>
   </p:clrMapOvr>
+  <p:timing>
+    <p:tnLst>
+      <p:par>
+        <p:cTn id="1" dur="indefinite" restart="never" nodeType="tmRoot"/>
+      </p:par>
+    </p:tnLst>
+  </p:timing>
 </p:sld>
 </file>
 
@@ -8919,6 +8712,13 @@
   <p:clrMapOvr>
     <a:masterClrMapping/>
   </p:clrMapOvr>
+  <p:timing>
+    <p:tnLst>
+      <p:par>
+        <p:cTn id="1" dur="indefinite" restart="never" nodeType="tmRoot"/>
+      </p:par>
+    </p:tnLst>
+  </p:timing>
 </p:sld>
 </file>
 
@@ -8956,7 +8756,7 @@
           <a:p>
             <a:r>
               <a:rPr lang="zh-TW" altLang="en-US" dirty="0" smtClean="0"/>
-              <a:t>資料型別</a:t>
+              <a:t>資料架構</a:t>
             </a:r>
             <a:endParaRPr lang="zh-TW" altLang="en-US" dirty="0"/>
           </a:p>
@@ -8974,245 +8774,102 @@
         </p:nvSpPr>
         <p:spPr/>
         <p:txBody>
-          <a:bodyPr>
-            <a:normAutofit fontScale="92500" lnSpcReduction="10000"/>
-          </a:bodyPr>
-          <a:lstStyle/>
-          <a:p>
+          <a:bodyPr/>
+          <a:lstStyle/>
+          <a:p>
+            <a:r>
+              <a:rPr lang="en-US" altLang="zh-TW" dirty="0" smtClean="0"/>
+              <a:t>Database</a:t>
+            </a:r>
+          </a:p>
+          <a:p>
+            <a:pPr lvl="1"/>
+            <a:r>
+              <a:rPr lang="en-US" altLang="zh-TW" dirty="0" smtClean="0"/>
+              <a:t>Table</a:t>
+            </a:r>
+          </a:p>
+          <a:p>
+            <a:pPr lvl="2"/>
+            <a:r>
+              <a:rPr lang="en-US" altLang="zh-TW" dirty="0" smtClean="0"/>
+              <a:t>Row </a:t>
+            </a:r>
             <a:r>
               <a:rPr lang="zh-TW" altLang="en-US" dirty="0" smtClean="0"/>
-              <a:t>數值</a:t>
+              <a:t>筆</a:t>
             </a:r>
             <a:endParaRPr lang="en-US" altLang="zh-TW" dirty="0" smtClean="0"/>
           </a:p>
           <a:p>
-            <a:pPr lvl="1"/>
+            <a:pPr lvl="2"/>
             <a:r>
               <a:rPr lang="en-US" altLang="zh-TW" dirty="0" smtClean="0"/>
-              <a:t>bit, </a:t>
-            </a:r>
-            <a:r>
-              <a:rPr lang="en-US" altLang="zh-TW" dirty="0" err="1" smtClean="0"/>
-              <a:t>tinyint</a:t>
+              <a:t>Field </a:t>
+            </a:r>
+            <a:r>
+              <a:rPr lang="zh-TW" altLang="en-US" dirty="0" smtClean="0"/>
+              <a:t>欄位</a:t>
             </a:r>
             <a:r>
               <a:rPr lang="en-US" altLang="zh-TW" dirty="0" smtClean="0"/>
               <a:t>, </a:t>
             </a:r>
             <a:r>
-              <a:rPr lang="en-US" altLang="zh-TW" dirty="0" err="1" smtClean="0"/>
-              <a:t>smallint</a:t>
-            </a:r>
+              <a:rPr lang="zh-TW" altLang="en-US" dirty="0" smtClean="0"/>
+              <a:t>資料行</a:t>
+            </a:r>
+            <a:endParaRPr lang="en-US" altLang="zh-TW" dirty="0" smtClean="0"/>
+          </a:p>
+          <a:p>
+            <a:pPr lvl="2"/>
             <a:r>
               <a:rPr lang="en-US" altLang="zh-TW" dirty="0" smtClean="0"/>
-              <a:t>, </a:t>
-            </a:r>
-            <a:r>
-              <a:rPr lang="en-US" altLang="zh-TW" dirty="0" err="1" smtClean="0"/>
-              <a:t>int</a:t>
-            </a:r>
+              <a:t>Index </a:t>
+            </a:r>
+            <a:r>
+              <a:rPr lang="zh-TW" altLang="en-US" dirty="0" smtClean="0"/>
+              <a:t>索引</a:t>
+            </a:r>
+            <a:endParaRPr lang="en-US" altLang="zh-TW" dirty="0" smtClean="0"/>
+          </a:p>
+          <a:p>
+            <a:pPr lvl="2"/>
             <a:r>
               <a:rPr lang="en-US" altLang="zh-TW" dirty="0" smtClean="0"/>
-              <a:t>, </a:t>
-            </a:r>
-            <a:r>
-              <a:rPr lang="en-US" altLang="zh-TW" dirty="0" err="1" smtClean="0"/>
-              <a:t>bigint</a:t>
-            </a:r>
-            <a:endParaRPr lang="en-US" altLang="zh-TW" dirty="0"/>
+              <a:t>trigger</a:t>
+            </a:r>
           </a:p>
           <a:p>
             <a:pPr lvl="1"/>
             <a:r>
               <a:rPr lang="en-US" altLang="zh-TW" dirty="0" smtClean="0"/>
-              <a:t>float, real (</a:t>
+              <a:t>View </a:t>
             </a:r>
             <a:r>
               <a:rPr lang="zh-TW" altLang="en-US" dirty="0" smtClean="0"/>
-              <a:t>單</a:t>
-            </a:r>
+              <a:t>檢視</a:t>
+            </a:r>
+            <a:endParaRPr lang="en-US" altLang="zh-TW" dirty="0" smtClean="0"/>
+          </a:p>
+          <a:p>
+            <a:pPr lvl="1"/>
             <a:r>
               <a:rPr lang="en-US" altLang="zh-TW" dirty="0" smtClean="0"/>
-              <a:t>), numeric (</a:t>
+              <a:t>Stored Procedure </a:t>
             </a:r>
             <a:r>
               <a:rPr lang="zh-TW" altLang="en-US" dirty="0" smtClean="0"/>
-              <a:t>同 </a:t>
-            </a:r>
-            <a:r>
-              <a:rPr lang="en-US" altLang="zh-TW" dirty="0" smtClean="0"/>
-              <a:t>decimal)</a:t>
-            </a:r>
-          </a:p>
-          <a:p>
-            <a:r>
-              <a:rPr lang="zh-TW" altLang="en-US" dirty="0" smtClean="0"/>
-              <a:t>文字</a:t>
-            </a:r>
-            <a:r>
-              <a:rPr lang="en-US" altLang="zh-TW" dirty="0" smtClean="0"/>
-              <a:t>(</a:t>
-            </a:r>
-            <a:r>
-              <a:rPr lang="zh-TW" altLang="en-US" dirty="0" smtClean="0"/>
-              <a:t>字元</a:t>
-            </a:r>
-            <a:r>
-              <a:rPr lang="en-US" altLang="zh-TW" dirty="0" smtClean="0"/>
-              <a:t>/</a:t>
-            </a:r>
-            <a:r>
-              <a:rPr lang="zh-TW" altLang="en-US" dirty="0" smtClean="0"/>
-              <a:t>字串</a:t>
-            </a:r>
-            <a:r>
-              <a:rPr lang="en-US" altLang="zh-TW" dirty="0" smtClean="0"/>
-              <a:t>)</a:t>
-            </a:r>
-          </a:p>
-          <a:p>
-            <a:pPr lvl="1"/>
-            <a:r>
-              <a:rPr lang="en-US" altLang="zh-TW" dirty="0" smtClean="0"/>
-              <a:t>char, </a:t>
-            </a:r>
-            <a:r>
-              <a:rPr lang="en-US" altLang="zh-TW" dirty="0" err="1" smtClean="0"/>
-              <a:t>nchar</a:t>
-            </a:r>
-            <a:r>
-              <a:rPr lang="en-US" altLang="zh-TW" dirty="0" smtClean="0"/>
-              <a:t>, varchar, </a:t>
-            </a:r>
-            <a:r>
-              <a:rPr lang="en-US" altLang="zh-TW" dirty="0" err="1" smtClean="0"/>
-              <a:t>nvarchar</a:t>
-            </a:r>
-            <a:r>
-              <a:rPr lang="en-US" altLang="zh-TW" dirty="0" smtClean="0"/>
-              <a:t>, </a:t>
-            </a:r>
-            <a:r>
-              <a:rPr lang="en-US" altLang="zh-TW" strike="sngStrike" dirty="0" smtClean="0"/>
-              <a:t>text</a:t>
-            </a:r>
-            <a:r>
-              <a:rPr lang="en-US" altLang="zh-TW" dirty="0" smtClean="0"/>
-              <a:t>, </a:t>
-            </a:r>
-          </a:p>
-          <a:p>
-            <a:r>
-              <a:rPr lang="zh-TW" altLang="en-US" dirty="0" smtClean="0"/>
-              <a:t>日期</a:t>
-            </a:r>
-            <a:r>
-              <a:rPr lang="en-US" altLang="zh-TW" dirty="0" smtClean="0"/>
-              <a:t>/</a:t>
-            </a:r>
-            <a:r>
-              <a:rPr lang="zh-TW" altLang="en-US" dirty="0" smtClean="0"/>
-              <a:t>時間</a:t>
-            </a:r>
-            <a:endParaRPr lang="en-US" altLang="zh-TW" dirty="0" smtClean="0"/>
-          </a:p>
-          <a:p>
-            <a:pPr lvl="1"/>
-            <a:r>
-              <a:rPr lang="en-US" altLang="zh-TW" dirty="0" smtClean="0"/>
-              <a:t>date, time, </a:t>
-            </a:r>
-            <a:r>
-              <a:rPr lang="en-US" altLang="zh-TW" dirty="0" err="1" smtClean="0"/>
-              <a:t>datetime</a:t>
-            </a:r>
-            <a:r>
-              <a:rPr lang="en-US" altLang="zh-TW" dirty="0" smtClean="0"/>
-              <a:t>, </a:t>
-            </a:r>
-          </a:p>
-          <a:p>
-            <a:r>
-              <a:rPr lang="zh-TW" altLang="en-US" dirty="0" smtClean="0"/>
-              <a:t>二進位</a:t>
-            </a:r>
-            <a:endParaRPr lang="en-US" altLang="zh-TW" dirty="0" smtClean="0"/>
-          </a:p>
-          <a:p>
-            <a:pPr lvl="1"/>
-            <a:r>
-              <a:rPr lang="en-US" altLang="zh-TW" dirty="0" smtClean="0"/>
-              <a:t>binary, </a:t>
-            </a:r>
-            <a:r>
-              <a:rPr lang="en-US" altLang="zh-TW" dirty="0" err="1" smtClean="0"/>
-              <a:t>varbinary</a:t>
-            </a:r>
-            <a:r>
-              <a:rPr lang="en-US" altLang="zh-TW" dirty="0" smtClean="0"/>
-              <a:t>, image</a:t>
-            </a:r>
-          </a:p>
-          <a:p>
-            <a:r>
-              <a:rPr lang="zh-TW" altLang="en-US" dirty="0" smtClean="0"/>
-              <a:t>其他</a:t>
-            </a:r>
-            <a:endParaRPr lang="en-US" altLang="zh-TW" dirty="0" smtClean="0"/>
-          </a:p>
-          <a:p>
-            <a:pPr lvl="1"/>
-            <a:r>
-              <a:rPr lang="en-US" altLang="zh-TW" dirty="0" smtClean="0"/>
-              <a:t>table, </a:t>
-            </a:r>
-            <a:r>
-              <a:rPr lang="en-US" altLang="zh-TW" dirty="0" err="1" smtClean="0"/>
-              <a:t>uniqueidentifier</a:t>
-            </a:r>
-            <a:r>
-              <a:rPr lang="en-US" altLang="zh-TW" dirty="0" smtClean="0"/>
-              <a:t>, xml</a:t>
+              <a:t>預存程序</a:t>
             </a:r>
             <a:endParaRPr lang="zh-TW" altLang="en-US" dirty="0"/>
-          </a:p>
-        </p:txBody>
-      </p:sp>
-      <p:sp>
-        <p:nvSpPr>
-          <p:cNvPr id="4" name="矩形 3"/>
-          <p:cNvSpPr/>
-          <p:nvPr/>
-        </p:nvSpPr>
-        <p:spPr>
-          <a:xfrm>
-            <a:off x="1570263" y="6311900"/>
-            <a:ext cx="8757557" cy="276999"/>
-          </a:xfrm>
-          <a:prstGeom prst="rect">
-            <a:avLst/>
-          </a:prstGeom>
-        </p:spPr>
-        <p:txBody>
-          <a:bodyPr wrap="square">
-            <a:spAutoFit/>
-          </a:bodyPr>
-          <a:lstStyle/>
-          <a:p>
-            <a:r>
-              <a:rPr lang="en-US" altLang="zh-TW" sz="1200" dirty="0">
-                <a:hlinkClick r:id="rId2"/>
-              </a:rPr>
-              <a:t>https://docs.microsoft.com/zh-tw/sql/t-sql/data-types/data-types-transact-sql?view=sql-server-ver15</a:t>
-            </a:r>
-            <a:endParaRPr lang="zh-TW" altLang="en-US" sz="1200" dirty="0"/>
           </a:p>
         </p:txBody>
       </p:sp>
     </p:spTree>
     <p:extLst>
       <p:ext uri="{BB962C8B-B14F-4D97-AF65-F5344CB8AC3E}">
-        <p14:creationId xmlns:p14="http://schemas.microsoft.com/office/powerpoint/2010/main" val="824418737"/>
+        <p14:creationId xmlns:p14="http://schemas.microsoft.com/office/powerpoint/2010/main" val="1827922413"/>
       </p:ext>
     </p:extLst>
   </p:cSld>
@@ -9256,7 +8913,7 @@
           <a:p>
             <a:r>
               <a:rPr lang="zh-TW" altLang="en-US" dirty="0" smtClean="0"/>
-              <a:t>大型資料型別</a:t>
+              <a:t>資料類型</a:t>
             </a:r>
             <a:endParaRPr lang="zh-TW" altLang="en-US" dirty="0"/>
           </a:p>
@@ -9274,40 +8931,213 @@
         </p:nvSpPr>
         <p:spPr/>
         <p:txBody>
-          <a:bodyPr/>
-          <a:lstStyle/>
-          <a:p>
-            <a:endParaRPr lang="zh-TW" altLang="en-US"/>
-          </a:p>
-        </p:txBody>
-      </p:sp>
-      <p:pic>
-        <p:nvPicPr>
-          <p:cNvPr id="4" name="圖片 3"/>
-          <p:cNvPicPr>
-            <a:picLocks noChangeAspect="1"/>
-          </p:cNvPicPr>
-          <p:nvPr/>
-        </p:nvPicPr>
-        <p:blipFill>
-          <a:blip r:embed="rId2"/>
-          <a:stretch>
-            <a:fillRect/>
-          </a:stretch>
-        </p:blipFill>
-        <p:spPr>
-          <a:xfrm>
-            <a:off x="672193" y="1825625"/>
-            <a:ext cx="10509732" cy="2509611"/>
-          </a:xfrm>
-          <a:prstGeom prst="rect">
-            <a:avLst/>
-          </a:prstGeom>
-        </p:spPr>
-      </p:pic>
-      <p:sp>
-        <p:nvSpPr>
-          <p:cNvPr id="6" name="矩形 5"/>
+          <a:bodyPr>
+            <a:normAutofit fontScale="92500" lnSpcReduction="10000"/>
+          </a:bodyPr>
+          <a:lstStyle/>
+          <a:p>
+            <a:r>
+              <a:rPr lang="zh-TW" altLang="en-US" dirty="0" smtClean="0"/>
+              <a:t>數值</a:t>
+            </a:r>
+            <a:endParaRPr lang="en-US" altLang="zh-TW" dirty="0" smtClean="0"/>
+          </a:p>
+          <a:p>
+            <a:pPr lvl="1"/>
+            <a:r>
+              <a:rPr lang="en-US" altLang="zh-TW" dirty="0" smtClean="0"/>
+              <a:t>bit, </a:t>
+            </a:r>
+            <a:r>
+              <a:rPr lang="en-US" altLang="zh-TW" dirty="0" err="1" smtClean="0"/>
+              <a:t>tinyint</a:t>
+            </a:r>
+            <a:r>
+              <a:rPr lang="en-US" altLang="zh-TW" dirty="0" smtClean="0"/>
+              <a:t>, </a:t>
+            </a:r>
+            <a:r>
+              <a:rPr lang="en-US" altLang="zh-TW" dirty="0" err="1" smtClean="0"/>
+              <a:t>smallint</a:t>
+            </a:r>
+            <a:r>
+              <a:rPr lang="en-US" altLang="zh-TW" dirty="0" smtClean="0"/>
+              <a:t>, </a:t>
+            </a:r>
+            <a:r>
+              <a:rPr lang="en-US" altLang="zh-TW" dirty="0" err="1" smtClean="0"/>
+              <a:t>int</a:t>
+            </a:r>
+            <a:r>
+              <a:rPr lang="en-US" altLang="zh-TW" dirty="0" smtClean="0"/>
+              <a:t>, </a:t>
+            </a:r>
+            <a:r>
+              <a:rPr lang="en-US" altLang="zh-TW" dirty="0" err="1" smtClean="0"/>
+              <a:t>bigint</a:t>
+            </a:r>
+            <a:endParaRPr lang="en-US" altLang="zh-TW" dirty="0"/>
+          </a:p>
+          <a:p>
+            <a:pPr lvl="1"/>
+            <a:r>
+              <a:rPr lang="en-US" altLang="zh-TW" dirty="0" smtClean="0"/>
+              <a:t>float, real (</a:t>
+            </a:r>
+            <a:r>
+              <a:rPr lang="zh-TW" altLang="en-US" dirty="0" smtClean="0"/>
+              <a:t>單</a:t>
+            </a:r>
+            <a:r>
+              <a:rPr lang="en-US" altLang="zh-TW" dirty="0" smtClean="0"/>
+              <a:t>), numeric (</a:t>
+            </a:r>
+            <a:r>
+              <a:rPr lang="zh-TW" altLang="en-US" dirty="0" smtClean="0"/>
+              <a:t>同 </a:t>
+            </a:r>
+            <a:r>
+              <a:rPr lang="en-US" altLang="zh-TW" dirty="0" smtClean="0"/>
+              <a:t>decimal)</a:t>
+            </a:r>
+          </a:p>
+          <a:p>
+            <a:r>
+              <a:rPr lang="zh-TW" altLang="en-US" dirty="0" smtClean="0"/>
+              <a:t>文字</a:t>
+            </a:r>
+            <a:r>
+              <a:rPr lang="en-US" altLang="zh-TW" dirty="0" smtClean="0"/>
+              <a:t>(</a:t>
+            </a:r>
+            <a:r>
+              <a:rPr lang="zh-TW" altLang="en-US" dirty="0" smtClean="0"/>
+              <a:t>字元</a:t>
+            </a:r>
+            <a:r>
+              <a:rPr lang="en-US" altLang="zh-TW" dirty="0" smtClean="0"/>
+              <a:t>/</a:t>
+            </a:r>
+            <a:r>
+              <a:rPr lang="zh-TW" altLang="en-US" dirty="0" smtClean="0"/>
+              <a:t>字串</a:t>
+            </a:r>
+            <a:r>
+              <a:rPr lang="en-US" altLang="zh-TW" dirty="0" smtClean="0"/>
+              <a:t>)</a:t>
+            </a:r>
+          </a:p>
+          <a:p>
+            <a:pPr lvl="1"/>
+            <a:r>
+              <a:rPr lang="en-US" altLang="zh-TW" dirty="0" smtClean="0"/>
+              <a:t>char, </a:t>
+            </a:r>
+            <a:r>
+              <a:rPr lang="en-US" altLang="zh-TW" dirty="0" err="1" smtClean="0"/>
+              <a:t>nchar</a:t>
+            </a:r>
+            <a:r>
+              <a:rPr lang="en-US" altLang="zh-TW" dirty="0" smtClean="0"/>
+              <a:t>, varchar, </a:t>
+            </a:r>
+            <a:r>
+              <a:rPr lang="en-US" altLang="zh-TW" dirty="0" err="1" smtClean="0"/>
+              <a:t>nvarchar</a:t>
+            </a:r>
+            <a:r>
+              <a:rPr lang="en-US" altLang="zh-TW" dirty="0" smtClean="0"/>
+              <a:t>, </a:t>
+            </a:r>
+            <a:r>
+              <a:rPr lang="en-US" altLang="zh-TW" strike="sngStrike" dirty="0" smtClean="0"/>
+              <a:t>text</a:t>
+            </a:r>
+            <a:r>
+              <a:rPr lang="en-US" altLang="zh-TW" dirty="0" smtClean="0"/>
+              <a:t>, </a:t>
+            </a:r>
+          </a:p>
+          <a:p>
+            <a:r>
+              <a:rPr lang="zh-TW" altLang="en-US" dirty="0" smtClean="0"/>
+              <a:t>日期</a:t>
+            </a:r>
+            <a:r>
+              <a:rPr lang="en-US" altLang="zh-TW" dirty="0" smtClean="0"/>
+              <a:t>/</a:t>
+            </a:r>
+            <a:r>
+              <a:rPr lang="zh-TW" altLang="en-US" dirty="0" smtClean="0"/>
+              <a:t>時間</a:t>
+            </a:r>
+            <a:endParaRPr lang="en-US" altLang="zh-TW" dirty="0" smtClean="0"/>
+          </a:p>
+          <a:p>
+            <a:pPr lvl="1"/>
+            <a:r>
+              <a:rPr lang="en-US" altLang="zh-TW" dirty="0" smtClean="0"/>
+              <a:t>date, time, </a:t>
+            </a:r>
+            <a:r>
+              <a:rPr lang="en-US" altLang="zh-TW" dirty="0" err="1" smtClean="0"/>
+              <a:t>datetime</a:t>
+            </a:r>
+            <a:r>
+              <a:rPr lang="en-US" altLang="zh-TW" dirty="0" smtClean="0"/>
+              <a:t>, </a:t>
+            </a:r>
+          </a:p>
+          <a:p>
+            <a:r>
+              <a:rPr lang="zh-TW" altLang="en-US" dirty="0" smtClean="0"/>
+              <a:t>二進位</a:t>
+            </a:r>
+            <a:endParaRPr lang="en-US" altLang="zh-TW" dirty="0" smtClean="0"/>
+          </a:p>
+          <a:p>
+            <a:pPr lvl="1"/>
+            <a:r>
+              <a:rPr lang="en-US" altLang="zh-TW" dirty="0" smtClean="0"/>
+              <a:t>binary, </a:t>
+            </a:r>
+            <a:r>
+              <a:rPr lang="en-US" altLang="zh-TW" dirty="0" err="1" smtClean="0"/>
+              <a:t>varbinary</a:t>
+            </a:r>
+            <a:r>
+              <a:rPr lang="en-US" altLang="zh-TW" dirty="0" smtClean="0"/>
+              <a:t>, image</a:t>
+            </a:r>
+          </a:p>
+          <a:p>
+            <a:r>
+              <a:rPr lang="zh-TW" altLang="en-US" dirty="0" smtClean="0"/>
+              <a:t>其他</a:t>
+            </a:r>
+            <a:endParaRPr lang="en-US" altLang="zh-TW" dirty="0" smtClean="0"/>
+          </a:p>
+          <a:p>
+            <a:pPr lvl="1"/>
+            <a:r>
+              <a:rPr lang="en-US" altLang="zh-TW" dirty="0" smtClean="0"/>
+              <a:t>table, </a:t>
+            </a:r>
+            <a:r>
+              <a:rPr lang="en-US" altLang="zh-TW" dirty="0" err="1" smtClean="0"/>
+              <a:t>uniqueidentifier</a:t>
+            </a:r>
+            <a:r>
+              <a:rPr lang="en-US" altLang="zh-TW" dirty="0" smtClean="0"/>
+              <a:t>, xml</a:t>
+            </a:r>
+            <a:endParaRPr lang="zh-TW" altLang="en-US" dirty="0"/>
+          </a:p>
+        </p:txBody>
+      </p:sp>
+      <p:sp>
+        <p:nvSpPr>
+          <p:cNvPr id="4" name="矩形 3"/>
           <p:cNvSpPr/>
           <p:nvPr/>
         </p:nvSpPr>
@@ -9328,7 +9158,7 @@
           <a:p>
             <a:r>
               <a:rPr lang="en-US" altLang="zh-TW" sz="1200" dirty="0">
-                <a:hlinkClick r:id="rId3"/>
+                <a:hlinkClick r:id="rId2"/>
               </a:rPr>
               <a:t>https://docs.microsoft.com/zh-tw/sql/t-sql/data-types/data-types-transact-sql?view=sql-server-ver15</a:t>
             </a:r>
@@ -9339,7 +9169,7 @@
     </p:spTree>
     <p:extLst>
       <p:ext uri="{BB962C8B-B14F-4D97-AF65-F5344CB8AC3E}">
-        <p14:creationId xmlns:p14="http://schemas.microsoft.com/office/powerpoint/2010/main" val="2447837369"/>
+        <p14:creationId xmlns:p14="http://schemas.microsoft.com/office/powerpoint/2010/main" val="824418737"/>
       </p:ext>
     </p:extLst>
   </p:cSld>
